--- a/e112_RF_antenna_TI/2023.09.20_RF_TI.pptx
+++ b/e112_RF_antenna_TI/2023.09.20_RF_TI.pptx
@@ -20,10 +20,12 @@
     <p:sldId id="268" r:id="rId14"/>
     <p:sldId id="269" r:id="rId15"/>
     <p:sldId id="270" r:id="rId16"/>
-    <p:sldId id="272" r:id="rId17"/>
-    <p:sldId id="274" r:id="rId18"/>
-    <p:sldId id="271" r:id="rId19"/>
-    <p:sldId id="275" r:id="rId20"/>
+    <p:sldId id="277" r:id="rId17"/>
+    <p:sldId id="272" r:id="rId18"/>
+    <p:sldId id="274" r:id="rId19"/>
+    <p:sldId id="276" r:id="rId20"/>
+    <p:sldId id="271" r:id="rId21"/>
+    <p:sldId id="275" r:id="rId22"/>
   </p:sldIdLst>
   <p:sldSz cx="12192000" cy="6858000"/>
   <p:notesSz cx="6858000" cy="9144000"/>
@@ -279,7 +281,7 @@
           <a:p>
             <a:fld id="{70C657AA-C5B8-47DD-BA5E-84B85563C266}" type="datetimeFigureOut">
               <a:rPr lang="en-GB" smtClean="0"/>
-              <a:t>11/10/2023</a:t>
+              <a:t>13/10/2023</a:t>
             </a:fld>
             <a:endParaRPr lang="en-GB"/>
           </a:p>
@@ -479,7 +481,7 @@
           <a:p>
             <a:fld id="{70C657AA-C5B8-47DD-BA5E-84B85563C266}" type="datetimeFigureOut">
               <a:rPr lang="en-GB" smtClean="0"/>
-              <a:t>11/10/2023</a:t>
+              <a:t>13/10/2023</a:t>
             </a:fld>
             <a:endParaRPr lang="en-GB"/>
           </a:p>
@@ -689,7 +691,7 @@
           <a:p>
             <a:fld id="{70C657AA-C5B8-47DD-BA5E-84B85563C266}" type="datetimeFigureOut">
               <a:rPr lang="en-GB" smtClean="0"/>
-              <a:t>11/10/2023</a:t>
+              <a:t>13/10/2023</a:t>
             </a:fld>
             <a:endParaRPr lang="en-GB"/>
           </a:p>
@@ -889,7 +891,7 @@
           <a:p>
             <a:fld id="{70C657AA-C5B8-47DD-BA5E-84B85563C266}" type="datetimeFigureOut">
               <a:rPr lang="en-GB" smtClean="0"/>
-              <a:t>11/10/2023</a:t>
+              <a:t>13/10/2023</a:t>
             </a:fld>
             <a:endParaRPr lang="en-GB"/>
           </a:p>
@@ -1165,7 +1167,7 @@
           <a:p>
             <a:fld id="{70C657AA-C5B8-47DD-BA5E-84B85563C266}" type="datetimeFigureOut">
               <a:rPr lang="en-GB" smtClean="0"/>
-              <a:t>11/10/2023</a:t>
+              <a:t>13/10/2023</a:t>
             </a:fld>
             <a:endParaRPr lang="en-GB"/>
           </a:p>
@@ -1433,7 +1435,7 @@
           <a:p>
             <a:fld id="{70C657AA-C5B8-47DD-BA5E-84B85563C266}" type="datetimeFigureOut">
               <a:rPr lang="en-GB" smtClean="0"/>
-              <a:t>11/10/2023</a:t>
+              <a:t>13/10/2023</a:t>
             </a:fld>
             <a:endParaRPr lang="en-GB"/>
           </a:p>
@@ -1848,7 +1850,7 @@
           <a:p>
             <a:fld id="{70C657AA-C5B8-47DD-BA5E-84B85563C266}" type="datetimeFigureOut">
               <a:rPr lang="en-GB" smtClean="0"/>
-              <a:t>11/10/2023</a:t>
+              <a:t>13/10/2023</a:t>
             </a:fld>
             <a:endParaRPr lang="en-GB"/>
           </a:p>
@@ -1990,7 +1992,7 @@
           <a:p>
             <a:fld id="{70C657AA-C5B8-47DD-BA5E-84B85563C266}" type="datetimeFigureOut">
               <a:rPr lang="en-GB" smtClean="0"/>
-              <a:t>11/10/2023</a:t>
+              <a:t>13/10/2023</a:t>
             </a:fld>
             <a:endParaRPr lang="en-GB"/>
           </a:p>
@@ -2103,7 +2105,7 @@
           <a:p>
             <a:fld id="{70C657AA-C5B8-47DD-BA5E-84B85563C266}" type="datetimeFigureOut">
               <a:rPr lang="en-GB" smtClean="0"/>
-              <a:t>11/10/2023</a:t>
+              <a:t>13/10/2023</a:t>
             </a:fld>
             <a:endParaRPr lang="en-GB"/>
           </a:p>
@@ -2416,7 +2418,7 @@
           <a:p>
             <a:fld id="{70C657AA-C5B8-47DD-BA5E-84B85563C266}" type="datetimeFigureOut">
               <a:rPr lang="en-GB" smtClean="0"/>
-              <a:t>11/10/2023</a:t>
+              <a:t>13/10/2023</a:t>
             </a:fld>
             <a:endParaRPr lang="en-GB"/>
           </a:p>
@@ -2705,7 +2707,7 @@
           <a:p>
             <a:fld id="{70C657AA-C5B8-47DD-BA5E-84B85563C266}" type="datetimeFigureOut">
               <a:rPr lang="en-GB" smtClean="0"/>
-              <a:t>11/10/2023</a:t>
+              <a:t>13/10/2023</a:t>
             </a:fld>
             <a:endParaRPr lang="en-GB"/>
           </a:p>
@@ -2948,7 +2950,7 @@
           <a:p>
             <a:fld id="{70C657AA-C5B8-47DD-BA5E-84B85563C266}" type="datetimeFigureOut">
               <a:rPr lang="en-GB" smtClean="0"/>
-              <a:t>11/10/2023</a:t>
+              <a:t>13/10/2023</a:t>
             </a:fld>
             <a:endParaRPr lang="en-GB"/>
           </a:p>
@@ -4123,7 +4125,7 @@
         </p:nvSpPr>
         <p:spPr>
           <a:xfrm>
-            <a:off x="8324603" y="1690688"/>
+            <a:off x="8024157" y="1690688"/>
             <a:ext cx="3867397" cy="923330"/>
           </a:xfrm>
           <a:prstGeom prst="rect">
@@ -4364,10 +4366,94 @@
       </p:grpSpPr>
       <p:sp>
         <p:nvSpPr>
-          <p:cNvPr id="12" name="Title 1">
-            <a:extLst>
-              <a:ext uri="{FF2B5EF4-FFF2-40B4-BE49-F238E27FC236}">
-                <a16:creationId xmlns:a16="http://schemas.microsoft.com/office/drawing/2014/main" id="{CB41F8F1-6764-9F69-FB4A-A807F166A0A5}"/>
+          <p:cNvPr id="2" name="Title 1">
+            <a:extLst>
+              <a:ext uri="{FF2B5EF4-FFF2-40B4-BE49-F238E27FC236}">
+                <a16:creationId xmlns:a16="http://schemas.microsoft.com/office/drawing/2014/main" id="{1C3D3892-10A3-72EA-2DF7-343E171C4AE9}"/>
+              </a:ext>
+            </a:extLst>
+          </p:cNvPr>
+          <p:cNvSpPr>
+            <a:spLocks noGrp="1"/>
+          </p:cNvSpPr>
+          <p:nvPr>
+            <p:ph type="title"/>
+          </p:nvPr>
+        </p:nvSpPr>
+        <p:spPr>
+          <a:xfrm>
+            <a:off x="838200" y="271651"/>
+            <a:ext cx="10515600" cy="1019538"/>
+          </a:xfrm>
+        </p:spPr>
+        <p:txBody>
+          <a:bodyPr/>
+          <a:lstStyle/>
+          <a:p>
+            <a:r>
+              <a:rPr lang="en-US" dirty="0"/>
+              <a:t>Phase offset changes as </a:t>
+            </a:r>
+            <a:r>
+              <a:rPr lang="en-US" dirty="0" err="1"/>
+              <a:t>df</a:t>
+            </a:r>
+            <a:r>
+              <a:rPr lang="en-US" dirty="0"/>
+              <a:t> changes. </a:t>
+            </a:r>
+            <a:endParaRPr lang="en-GB" dirty="0"/>
+          </a:p>
+        </p:txBody>
+      </p:sp>
+      <p:sp>
+        <p:nvSpPr>
+          <p:cNvPr id="3" name="Content Placeholder 2">
+            <a:extLst>
+              <a:ext uri="{FF2B5EF4-FFF2-40B4-BE49-F238E27FC236}">
+                <a16:creationId xmlns:a16="http://schemas.microsoft.com/office/drawing/2014/main" id="{8E0111AF-C722-3AA3-8679-8FF2823DE0D0}"/>
+              </a:ext>
+            </a:extLst>
+          </p:cNvPr>
+          <p:cNvSpPr>
+            <a:spLocks noGrp="1"/>
+          </p:cNvSpPr>
+          <p:nvPr>
+            <p:ph idx="1"/>
+          </p:nvPr>
+        </p:nvSpPr>
+        <p:spPr>
+          <a:xfrm>
+            <a:off x="8362406" y="1565291"/>
+            <a:ext cx="2166257" cy="721632"/>
+          </a:xfrm>
+        </p:spPr>
+        <p:txBody>
+          <a:bodyPr/>
+          <a:lstStyle/>
+          <a:p>
+            <a:r>
+              <a:rPr lang="en-US" dirty="0"/>
+              <a:t>5hz </a:t>
+            </a:r>
+            <a:r>
+              <a:rPr lang="en-US" dirty="0" err="1"/>
+              <a:t>df</a:t>
+            </a:r>
+            <a:r>
+              <a:rPr lang="en-US" dirty="0"/>
+              <a:t> f 27 </a:t>
+            </a:r>
+            <a:endParaRPr lang="en-GB" dirty="0"/>
+          </a:p>
+        </p:txBody>
+      </p:sp>
+      <p:sp>
+        <p:nvSpPr>
+          <p:cNvPr id="4" name="Content Placeholder 2">
+            <a:extLst>
+              <a:ext uri="{FF2B5EF4-FFF2-40B4-BE49-F238E27FC236}">
+                <a16:creationId xmlns:a16="http://schemas.microsoft.com/office/drawing/2014/main" id="{DB74143F-279F-8AE4-CB12-E269F7B7FCA5}"/>
               </a:ext>
             </a:extLst>
           </p:cNvPr>
@@ -4378,51 +4464,254 @@
         </p:nvSpPr>
         <p:spPr>
           <a:xfrm>
-            <a:off x="240031" y="285882"/>
-            <a:ext cx="4573270" cy="877888"/>
+            <a:off x="1238795" y="1603419"/>
+            <a:ext cx="2166257" cy="721632"/>
           </a:xfrm>
           <a:prstGeom prst="rect">
             <a:avLst/>
           </a:prstGeom>
         </p:spPr>
         <p:txBody>
-          <a:bodyPr vert="horz" lIns="91440" tIns="45720" rIns="91440" bIns="45720" rtlCol="0" anchor="ctr">
+          <a:bodyPr vert="horz" lIns="91440" tIns="45720" rIns="91440" bIns="45720" rtlCol="0">
             <a:normAutofit/>
           </a:bodyPr>
           <a:lstStyle>
-            <a:lvl1pPr algn="l" defTabSz="914400" rtl="0" eaLnBrk="1" latinLnBrk="0" hangingPunct="1">
+            <a:lvl1pPr marL="228600" indent="-228600" algn="l" defTabSz="914400" rtl="0" eaLnBrk="1" latinLnBrk="0" hangingPunct="1">
               <a:lnSpc>
                 <a:spcPct val="90000"/>
               </a:lnSpc>
               <a:spcBef>
-                <a:spcPct val="0"/>
+                <a:spcPts val="1000"/>
               </a:spcBef>
-              <a:buNone/>
-              <a:defRPr sz="4400" kern="1200">
+              <a:buFont typeface="Arial" panose="020B0604020202020204" pitchFamily="34" charset="0"/>
+              <a:buChar char="•"/>
+              <a:defRPr sz="2800" kern="1200">
                 <a:solidFill>
                   <a:schemeClr val="tx1"/>
                 </a:solidFill>
-                <a:latin typeface="+mj-lt"/>
-                <a:ea typeface="+mj-ea"/>
-                <a:cs typeface="+mj-cs"/>
+                <a:latin typeface="+mn-lt"/>
+                <a:ea typeface="+mn-ea"/>
+                <a:cs typeface="+mn-cs"/>
               </a:defRPr>
             </a:lvl1pPr>
+            <a:lvl2pPr marL="685800" indent="-228600" algn="l" defTabSz="914400" rtl="0" eaLnBrk="1" latinLnBrk="0" hangingPunct="1">
+              <a:lnSpc>
+                <a:spcPct val="90000"/>
+              </a:lnSpc>
+              <a:spcBef>
+                <a:spcPts val="500"/>
+              </a:spcBef>
+              <a:buFont typeface="Arial" panose="020B0604020202020204" pitchFamily="34" charset="0"/>
+              <a:buChar char="•"/>
+              <a:defRPr sz="2400" kern="1200">
+                <a:solidFill>
+                  <a:schemeClr val="tx1"/>
+                </a:solidFill>
+                <a:latin typeface="+mn-lt"/>
+                <a:ea typeface="+mn-ea"/>
+                <a:cs typeface="+mn-cs"/>
+              </a:defRPr>
+            </a:lvl2pPr>
+            <a:lvl3pPr marL="1143000" indent="-228600" algn="l" defTabSz="914400" rtl="0" eaLnBrk="1" latinLnBrk="0" hangingPunct="1">
+              <a:lnSpc>
+                <a:spcPct val="90000"/>
+              </a:lnSpc>
+              <a:spcBef>
+                <a:spcPts val="500"/>
+              </a:spcBef>
+              <a:buFont typeface="Arial" panose="020B0604020202020204" pitchFamily="34" charset="0"/>
+              <a:buChar char="•"/>
+              <a:defRPr sz="2000" kern="1200">
+                <a:solidFill>
+                  <a:schemeClr val="tx1"/>
+                </a:solidFill>
+                <a:latin typeface="+mn-lt"/>
+                <a:ea typeface="+mn-ea"/>
+                <a:cs typeface="+mn-cs"/>
+              </a:defRPr>
+            </a:lvl3pPr>
+            <a:lvl4pPr marL="1600200" indent="-228600" algn="l" defTabSz="914400" rtl="0" eaLnBrk="1" latinLnBrk="0" hangingPunct="1">
+              <a:lnSpc>
+                <a:spcPct val="90000"/>
+              </a:lnSpc>
+              <a:spcBef>
+                <a:spcPts val="500"/>
+              </a:spcBef>
+              <a:buFont typeface="Arial" panose="020B0604020202020204" pitchFamily="34" charset="0"/>
+              <a:buChar char="•"/>
+              <a:defRPr sz="1800" kern="1200">
+                <a:solidFill>
+                  <a:schemeClr val="tx1"/>
+                </a:solidFill>
+                <a:latin typeface="+mn-lt"/>
+                <a:ea typeface="+mn-ea"/>
+                <a:cs typeface="+mn-cs"/>
+              </a:defRPr>
+            </a:lvl4pPr>
+            <a:lvl5pPr marL="2057400" indent="-228600" algn="l" defTabSz="914400" rtl="0" eaLnBrk="1" latinLnBrk="0" hangingPunct="1">
+              <a:lnSpc>
+                <a:spcPct val="90000"/>
+              </a:lnSpc>
+              <a:spcBef>
+                <a:spcPts val="500"/>
+              </a:spcBef>
+              <a:buFont typeface="Arial" panose="020B0604020202020204" pitchFamily="34" charset="0"/>
+              <a:buChar char="•"/>
+              <a:defRPr sz="1800" kern="1200">
+                <a:solidFill>
+                  <a:schemeClr val="tx1"/>
+                </a:solidFill>
+                <a:latin typeface="+mn-lt"/>
+                <a:ea typeface="+mn-ea"/>
+                <a:cs typeface="+mn-cs"/>
+              </a:defRPr>
+            </a:lvl5pPr>
+            <a:lvl6pPr marL="2514600" indent="-228600" algn="l" defTabSz="914400" rtl="0" eaLnBrk="1" latinLnBrk="0" hangingPunct="1">
+              <a:lnSpc>
+                <a:spcPct val="90000"/>
+              </a:lnSpc>
+              <a:spcBef>
+                <a:spcPts val="500"/>
+              </a:spcBef>
+              <a:buFont typeface="Arial" panose="020B0604020202020204" pitchFamily="34" charset="0"/>
+              <a:buChar char="•"/>
+              <a:defRPr sz="1800" kern="1200">
+                <a:solidFill>
+                  <a:schemeClr val="tx1"/>
+                </a:solidFill>
+                <a:latin typeface="+mn-lt"/>
+                <a:ea typeface="+mn-ea"/>
+                <a:cs typeface="+mn-cs"/>
+              </a:defRPr>
+            </a:lvl6pPr>
+            <a:lvl7pPr marL="2971800" indent="-228600" algn="l" defTabSz="914400" rtl="0" eaLnBrk="1" latinLnBrk="0" hangingPunct="1">
+              <a:lnSpc>
+                <a:spcPct val="90000"/>
+              </a:lnSpc>
+              <a:spcBef>
+                <a:spcPts val="500"/>
+              </a:spcBef>
+              <a:buFont typeface="Arial" panose="020B0604020202020204" pitchFamily="34" charset="0"/>
+              <a:buChar char="•"/>
+              <a:defRPr sz="1800" kern="1200">
+                <a:solidFill>
+                  <a:schemeClr val="tx1"/>
+                </a:solidFill>
+                <a:latin typeface="+mn-lt"/>
+                <a:ea typeface="+mn-ea"/>
+                <a:cs typeface="+mn-cs"/>
+              </a:defRPr>
+            </a:lvl7pPr>
+            <a:lvl8pPr marL="3429000" indent="-228600" algn="l" defTabSz="914400" rtl="0" eaLnBrk="1" latinLnBrk="0" hangingPunct="1">
+              <a:lnSpc>
+                <a:spcPct val="90000"/>
+              </a:lnSpc>
+              <a:spcBef>
+                <a:spcPts val="500"/>
+              </a:spcBef>
+              <a:buFont typeface="Arial" panose="020B0604020202020204" pitchFamily="34" charset="0"/>
+              <a:buChar char="•"/>
+              <a:defRPr sz="1800" kern="1200">
+                <a:solidFill>
+                  <a:schemeClr val="tx1"/>
+                </a:solidFill>
+                <a:latin typeface="+mn-lt"/>
+                <a:ea typeface="+mn-ea"/>
+                <a:cs typeface="+mn-cs"/>
+              </a:defRPr>
+            </a:lvl8pPr>
+            <a:lvl9pPr marL="3886200" indent="-228600" algn="l" defTabSz="914400" rtl="0" eaLnBrk="1" latinLnBrk="0" hangingPunct="1">
+              <a:lnSpc>
+                <a:spcPct val="90000"/>
+              </a:lnSpc>
+              <a:spcBef>
+                <a:spcPts val="500"/>
+              </a:spcBef>
+              <a:buFont typeface="Arial" panose="020B0604020202020204" pitchFamily="34" charset="0"/>
+              <a:buChar char="•"/>
+              <a:defRPr sz="1800" kern="1200">
+                <a:solidFill>
+                  <a:schemeClr val="tx1"/>
+                </a:solidFill>
+                <a:latin typeface="+mn-lt"/>
+                <a:ea typeface="+mn-ea"/>
+                <a:cs typeface="+mn-cs"/>
+              </a:defRPr>
+            </a:lvl9pPr>
           </a:lstStyle>
           <a:p>
             <a:r>
-              <a:rPr lang="en-GB" sz="2400" b="1"/>
-              <a:t>E107 (t3) preamplifier artefact test. </a:t>
-            </a:r>
-            <a:endParaRPr lang="en-GB" sz="2400" b="1" dirty="0"/>
+              <a:rPr lang="en-US" dirty="0"/>
+              <a:t>3hz </a:t>
+            </a:r>
+            <a:r>
+              <a:rPr lang="en-US" dirty="0" err="1"/>
+              <a:t>df</a:t>
+            </a:r>
+            <a:r>
+              <a:rPr lang="en-US" dirty="0"/>
+              <a:t> f 28 </a:t>
+            </a:r>
+            <a:endParaRPr lang="en-GB" dirty="0"/>
+          </a:p>
+        </p:txBody>
+      </p:sp>
+      <p:sp>
+        <p:nvSpPr>
+          <p:cNvPr id="9" name="TextBox 8">
+            <a:extLst>
+              <a:ext uri="{FF2B5EF4-FFF2-40B4-BE49-F238E27FC236}">
+                <a16:creationId xmlns:a16="http://schemas.microsoft.com/office/drawing/2014/main" id="{2CFEC96E-E495-DA0B-0BB4-1D2CBC2642D8}"/>
+              </a:ext>
+            </a:extLst>
+          </p:cNvPr>
+          <p:cNvSpPr txBox="1"/>
+          <p:nvPr/>
+        </p:nvSpPr>
+        <p:spPr>
+          <a:xfrm>
+            <a:off x="339634" y="5847658"/>
+            <a:ext cx="10881360" cy="923330"/>
+          </a:xfrm>
+          <a:prstGeom prst="rect">
+            <a:avLst/>
+          </a:prstGeom>
+          <a:noFill/>
+        </p:spPr>
+        <p:txBody>
+          <a:bodyPr wrap="square" rtlCol="0">
+            <a:spAutoFit/>
+          </a:bodyPr>
+          <a:lstStyle/>
+          <a:p>
+            <a:r>
+              <a:rPr lang="en-US" dirty="0"/>
+              <a:t>I can’t really see a change in the phase offset. I only see entrainment when the ketamine is wearing off, </a:t>
+            </a:r>
+          </a:p>
+          <a:p>
+            <a:r>
+              <a:rPr lang="en-US" dirty="0"/>
+              <a:t>and it is a good amplitude. The trend of amplitude with frequency is there too. To make a better phase inference, I need more recordings… not just when k is wearing off </a:t>
+            </a:r>
+            <a:r>
+              <a:rPr lang="en-US" dirty="0" err="1"/>
+              <a:t>etc</a:t>
+            </a:r>
+            <a:r>
+              <a:rPr lang="en-US" dirty="0"/>
+              <a:t>… </a:t>
+            </a:r>
+            <a:endParaRPr lang="en-GB" dirty="0"/>
           </a:p>
         </p:txBody>
       </p:sp>
       <p:pic>
         <p:nvPicPr>
-          <p:cNvPr id="13" name="Picture 12" descr="A diagram of a graph&#10;&#10;Description automatically generated with medium confidence">
-            <a:extLst>
-              <a:ext uri="{FF2B5EF4-FFF2-40B4-BE49-F238E27FC236}">
-                <a16:creationId xmlns:a16="http://schemas.microsoft.com/office/drawing/2014/main" id="{78F9D2A8-1DE5-A38A-94D5-92E522886A1D}"/>
+          <p:cNvPr id="11" name="Picture 10" descr="A screenshot of a graph&#10;&#10;Description automatically generated">
+            <a:extLst>
+              <a:ext uri="{FF2B5EF4-FFF2-40B4-BE49-F238E27FC236}">
+                <a16:creationId xmlns:a16="http://schemas.microsoft.com/office/drawing/2014/main" id="{8D096C81-CB33-1935-109B-DE10FD4E54E9}"/>
               </a:ext>
             </a:extLst>
           </p:cNvPr>
@@ -4445,8 +4734,8 @@
         </p:blipFill>
         <p:spPr>
           <a:xfrm>
-            <a:off x="6319584" y="1628772"/>
-            <a:ext cx="5852172" cy="4389129"/>
+            <a:off x="43527" y="2127241"/>
+            <a:ext cx="5860884" cy="3502658"/>
           </a:xfrm>
           <a:prstGeom prst="rect">
             <a:avLst/>
@@ -4455,10 +4744,10 @@
       </p:pic>
       <p:pic>
         <p:nvPicPr>
-          <p:cNvPr id="14" name="Picture 13">
-            <a:extLst>
-              <a:ext uri="{FF2B5EF4-FFF2-40B4-BE49-F238E27FC236}">
-                <a16:creationId xmlns:a16="http://schemas.microsoft.com/office/drawing/2014/main" id="{C3EAEABC-A19A-4DCA-4277-F26B6AD8C4A5}"/>
+          <p:cNvPr id="13" name="Picture 12" descr="A screenshot of a graph&#10;&#10;Description automatically generated">
+            <a:extLst>
+              <a:ext uri="{FF2B5EF4-FFF2-40B4-BE49-F238E27FC236}">
+                <a16:creationId xmlns:a16="http://schemas.microsoft.com/office/drawing/2014/main" id="{C35330C4-025A-CCF9-94A2-FBF2446E9835}"/>
               </a:ext>
             </a:extLst>
           </p:cNvPr>
@@ -4468,341 +4757,7 @@
           <p:nvPr/>
         </p:nvPicPr>
         <p:blipFill>
-          <a:blip r:embed="rId3"/>
-          <a:stretch>
-            <a:fillRect/>
-          </a:stretch>
-        </p:blipFill>
-        <p:spPr>
-          <a:xfrm>
-            <a:off x="6407974" y="5980111"/>
-            <a:ext cx="2693722" cy="732692"/>
-          </a:xfrm>
-          <a:prstGeom prst="rect">
-            <a:avLst/>
-          </a:prstGeom>
-        </p:spPr>
-      </p:pic>
-      <p:pic>
-        <p:nvPicPr>
-          <p:cNvPr id="15" name="Picture 14">
-            <a:extLst>
-              <a:ext uri="{FF2B5EF4-FFF2-40B4-BE49-F238E27FC236}">
-                <a16:creationId xmlns:a16="http://schemas.microsoft.com/office/drawing/2014/main" id="{5B193D6A-65AC-7094-3158-7C15EA8D0CB7}"/>
-              </a:ext>
-            </a:extLst>
-          </p:cNvPr>
-          <p:cNvPicPr>
-            <a:picLocks noChangeAspect="1"/>
-          </p:cNvPicPr>
-          <p:nvPr/>
-        </p:nvPicPr>
-        <p:blipFill>
-          <a:blip r:embed="rId4"/>
-          <a:stretch>
-            <a:fillRect/>
-          </a:stretch>
-        </p:blipFill>
-        <p:spPr>
-          <a:xfrm>
-            <a:off x="7471283" y="1419222"/>
-            <a:ext cx="3534833" cy="445033"/>
-          </a:xfrm>
-          <a:prstGeom prst="rect">
-            <a:avLst/>
-          </a:prstGeom>
-        </p:spPr>
-      </p:pic>
-      <p:pic>
-        <p:nvPicPr>
-          <p:cNvPr id="16" name="Picture 15">
-            <a:extLst>
-              <a:ext uri="{FF2B5EF4-FFF2-40B4-BE49-F238E27FC236}">
-                <a16:creationId xmlns:a16="http://schemas.microsoft.com/office/drawing/2014/main" id="{C950A2AA-C1FE-5584-7630-7A1AB8B2547B}"/>
-              </a:ext>
-            </a:extLst>
-          </p:cNvPr>
-          <p:cNvPicPr>
-            <a:picLocks noChangeAspect="1"/>
-          </p:cNvPicPr>
-          <p:nvPr/>
-        </p:nvPicPr>
-        <p:blipFill>
-          <a:blip r:embed="rId5"/>
-          <a:stretch>
-            <a:fillRect/>
-          </a:stretch>
-        </p:blipFill>
-        <p:spPr>
-          <a:xfrm>
-            <a:off x="1619111" y="1386171"/>
-            <a:ext cx="3414432" cy="419100"/>
-          </a:xfrm>
-          <a:prstGeom prst="rect">
-            <a:avLst/>
-          </a:prstGeom>
-        </p:spPr>
-      </p:pic>
-      <p:pic>
-        <p:nvPicPr>
-          <p:cNvPr id="17" name="Picture 16">
-            <a:extLst>
-              <a:ext uri="{FF2B5EF4-FFF2-40B4-BE49-F238E27FC236}">
-                <a16:creationId xmlns:a16="http://schemas.microsoft.com/office/drawing/2014/main" id="{7EF9EBEE-BFBD-7705-6F03-35BF4163AEC0}"/>
-              </a:ext>
-            </a:extLst>
-          </p:cNvPr>
-          <p:cNvPicPr>
-            <a:picLocks noChangeAspect="1"/>
-          </p:cNvPicPr>
-          <p:nvPr/>
-        </p:nvPicPr>
-        <p:blipFill>
-          <a:blip r:embed="rId6"/>
-          <a:stretch>
-            <a:fillRect/>
-          </a:stretch>
-        </p:blipFill>
-        <p:spPr>
-          <a:xfrm>
-            <a:off x="5892550" y="2751932"/>
-            <a:ext cx="527299" cy="1938601"/>
-          </a:xfrm>
-          <a:prstGeom prst="rect">
-            <a:avLst/>
-          </a:prstGeom>
-        </p:spPr>
-      </p:pic>
-      <p:pic>
-        <p:nvPicPr>
-          <p:cNvPr id="18" name="Picture 17">
-            <a:extLst>
-              <a:ext uri="{FF2B5EF4-FFF2-40B4-BE49-F238E27FC236}">
-                <a16:creationId xmlns:a16="http://schemas.microsoft.com/office/drawing/2014/main" id="{85DB2EF5-E22B-7FC3-A2B4-E2AEFC9C8B39}"/>
-              </a:ext>
-            </a:extLst>
-          </p:cNvPr>
-          <p:cNvPicPr>
-            <a:picLocks noChangeAspect="1"/>
-          </p:cNvPicPr>
-          <p:nvPr/>
-        </p:nvPicPr>
-        <p:blipFill>
-          <a:blip r:embed="rId7"/>
-          <a:stretch>
-            <a:fillRect/>
-          </a:stretch>
-        </p:blipFill>
-        <p:spPr>
-          <a:xfrm>
-            <a:off x="838200" y="5980111"/>
-            <a:ext cx="1847849" cy="692943"/>
-          </a:xfrm>
-          <a:prstGeom prst="rect">
-            <a:avLst/>
-          </a:prstGeom>
-        </p:spPr>
-      </p:pic>
-      <p:pic>
-        <p:nvPicPr>
-          <p:cNvPr id="19" name="Picture 18">
-            <a:extLst>
-              <a:ext uri="{FF2B5EF4-FFF2-40B4-BE49-F238E27FC236}">
-                <a16:creationId xmlns:a16="http://schemas.microsoft.com/office/drawing/2014/main" id="{5C6A6750-6FB0-AED2-99A3-4C9054125934}"/>
-              </a:ext>
-            </a:extLst>
-          </p:cNvPr>
-          <p:cNvPicPr>
-            <a:picLocks noChangeAspect="1"/>
-          </p:cNvPicPr>
-          <p:nvPr/>
-        </p:nvPicPr>
-        <p:blipFill>
-          <a:blip r:embed="rId8"/>
-          <a:stretch>
-            <a:fillRect/>
-          </a:stretch>
-        </p:blipFill>
-        <p:spPr>
-          <a:xfrm>
-            <a:off x="3965577" y="6032233"/>
-            <a:ext cx="2000249" cy="659173"/>
-          </a:xfrm>
-          <a:prstGeom prst="rect">
-            <a:avLst/>
-          </a:prstGeom>
-        </p:spPr>
-      </p:pic>
-      <p:sp>
-        <p:nvSpPr>
-          <p:cNvPr id="20" name="TextBox 19">
-            <a:extLst>
-              <a:ext uri="{FF2B5EF4-FFF2-40B4-BE49-F238E27FC236}">
-                <a16:creationId xmlns:a16="http://schemas.microsoft.com/office/drawing/2014/main" id="{A97511B4-708A-BEC1-EC5C-BB3BB1BB56FB}"/>
-              </a:ext>
-            </a:extLst>
-          </p:cNvPr>
-          <p:cNvSpPr txBox="1"/>
-          <p:nvPr/>
-        </p:nvSpPr>
-        <p:spPr>
-          <a:xfrm>
-            <a:off x="4927600" y="-11206"/>
-            <a:ext cx="7264399" cy="1754326"/>
-          </a:xfrm>
-          <a:prstGeom prst="rect">
-            <a:avLst/>
-          </a:prstGeom>
-          <a:noFill/>
-        </p:spPr>
-        <p:txBody>
-          <a:bodyPr wrap="square" rtlCol="0">
-            <a:spAutoFit/>
-          </a:bodyPr>
-          <a:lstStyle/>
-          <a:p>
-            <a:r>
-              <a:rPr lang="en-GB" sz="1800" i="0" u="none" strike="noStrike" kern="1200" baseline="0" dirty="0">
-                <a:solidFill>
-                  <a:srgbClr val="000000"/>
-                </a:solidFill>
-                <a:latin typeface="Arial" panose="020B0604020202020204" pitchFamily="34" charset="0"/>
-                <a:cs typeface="Arial" panose="020B0604020202020204" pitchFamily="34" charset="0"/>
-              </a:rPr>
-              <a:t>The mixing product frequencies are below the noise floor. The applied signal amplitudes are larger than what we see</a:t>
-            </a:r>
-            <a:r>
-              <a:rPr lang="en-GB" sz="1800" i="1" u="none" strike="noStrike" kern="1200" baseline="0" dirty="0">
-                <a:solidFill>
-                  <a:srgbClr val="000000"/>
-                </a:solidFill>
-                <a:latin typeface="Arial" panose="020B0604020202020204" pitchFamily="34" charset="0"/>
-                <a:cs typeface="Arial" panose="020B0604020202020204" pitchFamily="34" charset="0"/>
-              </a:rPr>
-              <a:t> in vivo </a:t>
-            </a:r>
-            <a:r>
-              <a:rPr lang="en-GB" sz="1800" i="0" u="none" strike="noStrike" kern="1200" baseline="0" dirty="0">
-                <a:solidFill>
-                  <a:srgbClr val="000000"/>
-                </a:solidFill>
-                <a:latin typeface="Arial" panose="020B0604020202020204" pitchFamily="34" charset="0"/>
-                <a:cs typeface="Arial" panose="020B0604020202020204" pitchFamily="34" charset="0"/>
-              </a:rPr>
-              <a:t>(with 1020Hz@200</a:t>
-            </a:r>
-            <a:r>
-              <a:rPr lang="en-GB" sz="1800" i="1" u="none" strike="noStrike" kern="1200" baseline="0" dirty="0">
-                <a:solidFill>
-                  <a:srgbClr val="000000"/>
-                </a:solidFill>
-                <a:latin typeface="Arial" panose="020B0604020202020204" pitchFamily="34" charset="0"/>
-                <a:cs typeface="Arial" panose="020B0604020202020204" pitchFamily="34" charset="0"/>
-              </a:rPr>
-              <a:t>𝜇</a:t>
-            </a:r>
-            <a:r>
-              <a:rPr lang="en-US" sz="1800" i="1" u="none" strike="noStrike" kern="1200" baseline="0" dirty="0">
-                <a:solidFill>
-                  <a:srgbClr val="000000"/>
-                </a:solidFill>
-                <a:latin typeface="Arial" panose="020B0604020202020204" pitchFamily="34" charset="0"/>
-                <a:cs typeface="Arial" panose="020B0604020202020204" pitchFamily="34" charset="0"/>
-              </a:rPr>
-              <a:t>𝑉</a:t>
-            </a:r>
-            <a:r>
-              <a:rPr lang="en-GB" sz="1800" i="0" u="none" strike="noStrike" kern="1200" baseline="0" dirty="0">
-                <a:solidFill>
-                  <a:srgbClr val="000000"/>
-                </a:solidFill>
-                <a:latin typeface="Arial" panose="020B0604020202020204" pitchFamily="34" charset="0"/>
-                <a:cs typeface="Arial" panose="020B0604020202020204" pitchFamily="34" charset="0"/>
-              </a:rPr>
-              <a:t>and 70Hz@3</a:t>
-            </a:r>
-            <a:r>
-              <a:rPr lang="en-US" sz="1800" i="0" u="none" strike="noStrike" kern="1200" baseline="0" dirty="0">
-                <a:solidFill>
-                  <a:srgbClr val="000000"/>
-                </a:solidFill>
-                <a:latin typeface="Arial" panose="020B0604020202020204" pitchFamily="34" charset="0"/>
-                <a:cs typeface="Arial" panose="020B0604020202020204" pitchFamily="34" charset="0"/>
-              </a:rPr>
-              <a:t>1</a:t>
-            </a:r>
-            <a:r>
-              <a:rPr lang="en-GB" sz="1800" i="1" u="none" strike="noStrike" kern="1200" baseline="0" dirty="0">
-                <a:solidFill>
-                  <a:srgbClr val="000000"/>
-                </a:solidFill>
-                <a:latin typeface="Arial" panose="020B0604020202020204" pitchFamily="34" charset="0"/>
-                <a:cs typeface="Arial" panose="020B0604020202020204" pitchFamily="34" charset="0"/>
-              </a:rPr>
-              <a:t>𝜇</a:t>
-            </a:r>
-            <a:r>
-              <a:rPr lang="en-US" sz="1800" i="1" u="none" strike="noStrike" kern="1200" baseline="0" dirty="0">
-                <a:solidFill>
-                  <a:srgbClr val="000000"/>
-                </a:solidFill>
-                <a:latin typeface="Arial" panose="020B0604020202020204" pitchFamily="34" charset="0"/>
-                <a:cs typeface="Arial" panose="020B0604020202020204" pitchFamily="34" charset="0"/>
-              </a:rPr>
-              <a:t>𝑉</a:t>
-            </a:r>
-            <a:r>
-              <a:rPr lang="en-GB" sz="1800" i="0" u="none" strike="noStrike" kern="1200" baseline="0" dirty="0">
-                <a:solidFill>
-                  <a:srgbClr val="000000"/>
-                </a:solidFill>
-                <a:latin typeface="Arial" panose="020B0604020202020204" pitchFamily="34" charset="0"/>
-                <a:cs typeface="Arial" panose="020B0604020202020204" pitchFamily="34" charset="0"/>
-              </a:rPr>
-              <a:t>)</a:t>
-            </a:r>
-            <a:r>
-              <a:rPr lang="en-GB" sz="1800" i="1" u="none" strike="noStrike" kern="1200" baseline="0" dirty="0">
-                <a:solidFill>
-                  <a:srgbClr val="000000"/>
-                </a:solidFill>
-                <a:latin typeface="Arial" panose="020B0604020202020204" pitchFamily="34" charset="0"/>
-                <a:cs typeface="Arial" panose="020B0604020202020204" pitchFamily="34" charset="0"/>
-              </a:rPr>
-              <a:t>, </a:t>
-            </a:r>
-            <a:r>
-              <a:rPr lang="en-GB" sz="1800" i="0" u="none" strike="noStrike" kern="1200" baseline="0" dirty="0">
-                <a:solidFill>
-                  <a:srgbClr val="000000"/>
-                </a:solidFill>
-                <a:latin typeface="Arial" panose="020B0604020202020204" pitchFamily="34" charset="0"/>
-                <a:cs typeface="Arial" panose="020B0604020202020204" pitchFamily="34" charset="0"/>
-              </a:rPr>
-              <a:t>hence the frequency mixing that we see in our neural decoding experiment does NOT occur in the preamplifier. </a:t>
-            </a:r>
-          </a:p>
-          <a:p>
-            <a:endParaRPr lang="en-GB" dirty="0"/>
-          </a:p>
-        </p:txBody>
-      </p:sp>
-      <p:pic>
-        <p:nvPicPr>
-          <p:cNvPr id="21" name="Picture 20" descr="A graph of a graph showing a number of columns&#10;&#10;Description automatically generated with medium confidence">
-            <a:extLst>
-              <a:ext uri="{FF2B5EF4-FFF2-40B4-BE49-F238E27FC236}">
-                <a16:creationId xmlns:a16="http://schemas.microsoft.com/office/drawing/2014/main" id="{B57F8AE7-B474-2F29-37C3-FCE7A739A8A2}"/>
-              </a:ext>
-            </a:extLst>
-          </p:cNvPr>
-          <p:cNvPicPr>
-            <a:picLocks noChangeAspect="1"/>
-          </p:cNvPicPr>
-          <p:nvPr/>
-        </p:nvPicPr>
-        <p:blipFill>
-          <a:blip r:embed="rId9">
+          <a:blip r:embed="rId3">
             <a:extLst>
               <a:ext uri="{28A0092B-C50C-407E-A947-70E740481C1C}">
                 <a14:useLocalDpi xmlns:a14="http://schemas.microsoft.com/office/drawing/2010/main" val="0"/>
@@ -4815,38 +4770,8 @@
         </p:blipFill>
         <p:spPr>
           <a:xfrm>
-            <a:off x="467412" y="1688591"/>
-            <a:ext cx="5852172" cy="4389129"/>
-          </a:xfrm>
-          <a:prstGeom prst="rect">
-            <a:avLst/>
-          </a:prstGeom>
-        </p:spPr>
-      </p:pic>
-      <p:pic>
-        <p:nvPicPr>
-          <p:cNvPr id="22" name="Picture 21">
-            <a:extLst>
-              <a:ext uri="{FF2B5EF4-FFF2-40B4-BE49-F238E27FC236}">
-                <a16:creationId xmlns:a16="http://schemas.microsoft.com/office/drawing/2014/main" id="{56CD0E89-4ADC-A8F3-F72D-07026FD18FCE}"/>
-              </a:ext>
-            </a:extLst>
-          </p:cNvPr>
-          <p:cNvPicPr>
-            <a:picLocks noChangeAspect="1"/>
-          </p:cNvPicPr>
-          <p:nvPr/>
-        </p:nvPicPr>
-        <p:blipFill>
-          <a:blip r:embed="rId6"/>
-          <a:stretch>
-            <a:fillRect/>
-          </a:stretch>
-        </p:blipFill>
-        <p:spPr>
-          <a:xfrm>
-            <a:off x="5965826" y="2856441"/>
-            <a:ext cx="470446" cy="1729581"/>
+            <a:off x="5904411" y="2060757"/>
+            <a:ext cx="5995852" cy="3583320"/>
           </a:xfrm>
           <a:prstGeom prst="rect">
             <a:avLst/>
@@ -4856,7 +4781,7 @@
     </p:spTree>
     <p:extLst>
       <p:ext uri="{BB962C8B-B14F-4D97-AF65-F5344CB8AC3E}">
-        <p14:creationId xmlns:p14="http://schemas.microsoft.com/office/powerpoint/2010/main" val="4253956226"/>
+        <p14:creationId xmlns:p14="http://schemas.microsoft.com/office/powerpoint/2010/main" val="2260415894"/>
       </p:ext>
     </p:extLst>
   </p:cSld>
@@ -4885,126 +4810,65 @@
       </p:grpSpPr>
       <p:sp>
         <p:nvSpPr>
-          <p:cNvPr id="2" name="Title 1">
-            <a:extLst>
-              <a:ext uri="{FF2B5EF4-FFF2-40B4-BE49-F238E27FC236}">
-                <a16:creationId xmlns:a16="http://schemas.microsoft.com/office/drawing/2014/main" id="{F1375BD7-E92F-3B69-7795-479CB2863209}"/>
-              </a:ext>
-            </a:extLst>
-          </p:cNvPr>
-          <p:cNvSpPr>
-            <a:spLocks noGrp="1"/>
-          </p:cNvSpPr>
-          <p:nvPr>
-            <p:ph type="title"/>
-          </p:nvPr>
-        </p:nvSpPr>
-        <p:spPr>
-          <a:xfrm>
-            <a:off x="838200" y="222621"/>
-            <a:ext cx="10515600" cy="964911"/>
-          </a:xfrm>
-        </p:spPr>
-        <p:txBody>
-          <a:bodyPr>
-            <a:noAutofit/>
-          </a:bodyPr>
-          <a:lstStyle/>
-          <a:p>
-            <a:pPr algn="ctr"/>
-            <a:r>
-              <a:rPr lang="en-GB" sz="3200" dirty="0"/>
-              <a:t>Mouse: Is it actually a neural response? </a:t>
-            </a:r>
-            <a:br>
-              <a:rPr lang="en-GB" sz="3200" dirty="0"/>
-            </a:br>
-            <a:r>
-              <a:rPr lang="en-GB" sz="3200" dirty="0"/>
-              <a:t>Or am I just generating the </a:t>
-            </a:r>
-            <a:r>
-              <a:rPr lang="en-GB" sz="3200" dirty="0" err="1"/>
-              <a:t>df</a:t>
-            </a:r>
-            <a:r>
-              <a:rPr lang="en-GB" sz="3200" dirty="0"/>
-              <a:t> </a:t>
-            </a:r>
-            <a:r>
-              <a:rPr lang="en-GB" sz="3200" i="1" dirty="0"/>
-              <a:t>in vivo</a:t>
-            </a:r>
-            <a:r>
-              <a:rPr lang="en-GB" sz="3200" dirty="0"/>
-              <a:t>?  </a:t>
-            </a:r>
-          </a:p>
-        </p:txBody>
-      </p:sp>
-      <p:sp>
-        <p:nvSpPr>
-          <p:cNvPr id="3" name="Content Placeholder 2">
-            <a:extLst>
-              <a:ext uri="{FF2B5EF4-FFF2-40B4-BE49-F238E27FC236}">
-                <a16:creationId xmlns:a16="http://schemas.microsoft.com/office/drawing/2014/main" id="{572AE4D4-97C7-CD2F-EA66-A8D80E464CDA}"/>
-              </a:ext>
-            </a:extLst>
-          </p:cNvPr>
-          <p:cNvSpPr>
-            <a:spLocks noGrp="1"/>
-          </p:cNvSpPr>
-          <p:nvPr>
-            <p:ph idx="1"/>
-          </p:nvPr>
-        </p:nvSpPr>
-        <p:spPr>
-          <a:xfrm>
-            <a:off x="505691" y="1407021"/>
-            <a:ext cx="11179627" cy="1772598"/>
-          </a:xfrm>
-        </p:spPr>
-        <p:txBody>
-          <a:bodyPr>
+          <p:cNvPr id="12" name="Title 1">
+            <a:extLst>
+              <a:ext uri="{FF2B5EF4-FFF2-40B4-BE49-F238E27FC236}">
+                <a16:creationId xmlns:a16="http://schemas.microsoft.com/office/drawing/2014/main" id="{CB41F8F1-6764-9F69-FB4A-A807F166A0A5}"/>
+              </a:ext>
+            </a:extLst>
+          </p:cNvPr>
+          <p:cNvSpPr txBox="1">
+            <a:spLocks/>
+          </p:cNvSpPr>
+          <p:nvPr/>
+        </p:nvSpPr>
+        <p:spPr>
+          <a:xfrm>
+            <a:off x="240031" y="285882"/>
+            <a:ext cx="4573270" cy="877888"/>
+          </a:xfrm>
+          <a:prstGeom prst="rect">
+            <a:avLst/>
+          </a:prstGeom>
+        </p:spPr>
+        <p:txBody>
+          <a:bodyPr vert="horz" lIns="91440" tIns="45720" rIns="91440" bIns="45720" rtlCol="0" anchor="ctr">
             <a:normAutofit/>
           </a:bodyPr>
-          <a:lstStyle/>
-          <a:p>
-            <a:r>
-              <a:rPr lang="en-GB" sz="1800" dirty="0"/>
-              <a:t>Frequency vs amplitude in phantom/mouse. </a:t>
-            </a:r>
-          </a:p>
-          <a:p>
-            <a:pPr marL="0" indent="0">
+          <a:lstStyle>
+            <a:lvl1pPr algn="l" defTabSz="914400" rtl="0" eaLnBrk="1" latinLnBrk="0" hangingPunct="1">
+              <a:lnSpc>
+                <a:spcPct val="90000"/>
+              </a:lnSpc>
+              <a:spcBef>
+                <a:spcPct val="0"/>
+              </a:spcBef>
               <a:buNone/>
-            </a:pPr>
-            <a:r>
-              <a:rPr lang="en-GB" sz="1800" dirty="0"/>
-              <a:t>Note: My neural amplitudes were too low to evoke enough spikes to make a good spike diagram, nor did I obtain behavioural proof. I think I need to get a higher amplitude </a:t>
-            </a:r>
-            <a:r>
-              <a:rPr lang="en-GB" sz="1800" dirty="0" err="1"/>
-              <a:t>lfp</a:t>
-            </a:r>
-            <a:r>
-              <a:rPr lang="en-GB" sz="1800" dirty="0"/>
-              <a:t> to do that, which means I need to go to a higher carrier so more signal gets </a:t>
-            </a:r>
-            <a:r>
-              <a:rPr lang="en-GB" sz="1800"/>
-              <a:t>through into mouse brain. </a:t>
-            </a:r>
-            <a:endParaRPr lang="en-GB" sz="1800" dirty="0"/>
+              <a:defRPr sz="4400" kern="1200">
+                <a:solidFill>
+                  <a:schemeClr val="tx1"/>
+                </a:solidFill>
+                <a:latin typeface="+mj-lt"/>
+                <a:ea typeface="+mj-ea"/>
+                <a:cs typeface="+mj-cs"/>
+              </a:defRPr>
+            </a:lvl1pPr>
+          </a:lstStyle>
+          <a:p>
+            <a:r>
+              <a:rPr lang="en-GB" sz="2400" b="1"/>
+              <a:t>E107 (t3) preamplifier artefact test. </a:t>
+            </a:r>
+            <a:endParaRPr lang="en-GB" sz="2400" b="1" dirty="0"/>
           </a:p>
         </p:txBody>
       </p:sp>
       <p:pic>
         <p:nvPicPr>
-          <p:cNvPr id="5" name="Picture 4" descr="A graph of a person with a red line&#10;&#10;Description automatically generated">
-            <a:extLst>
-              <a:ext uri="{FF2B5EF4-FFF2-40B4-BE49-F238E27FC236}">
-                <a16:creationId xmlns:a16="http://schemas.microsoft.com/office/drawing/2014/main" id="{2129CAD6-6BDD-1DE1-DDB5-C04747F4A739}"/>
+          <p:cNvPr id="13" name="Picture 12" descr="A diagram of a graph&#10;&#10;Description automatically generated with medium confidence">
+            <a:extLst>
+              <a:ext uri="{FF2B5EF4-FFF2-40B4-BE49-F238E27FC236}">
+                <a16:creationId xmlns:a16="http://schemas.microsoft.com/office/drawing/2014/main" id="{78F9D2A8-1DE5-A38A-94D5-92E522886A1D}"/>
               </a:ext>
             </a:extLst>
           </p:cNvPr>
@@ -5027,20 +4891,200 @@
         </p:blipFill>
         <p:spPr>
           <a:xfrm>
-            <a:off x="581883" y="2955176"/>
-            <a:ext cx="5361717" cy="3217030"/>
+            <a:off x="6319584" y="1628772"/>
+            <a:ext cx="5852172" cy="4389129"/>
           </a:xfrm>
           <a:prstGeom prst="rect">
             <a:avLst/>
           </a:prstGeom>
         </p:spPr>
       </p:pic>
-      <p:sp>
-        <p:nvSpPr>
-          <p:cNvPr id="6" name="TextBox 5">
-            <a:extLst>
-              <a:ext uri="{FF2B5EF4-FFF2-40B4-BE49-F238E27FC236}">
-                <a16:creationId xmlns:a16="http://schemas.microsoft.com/office/drawing/2014/main" id="{0D32EFAF-FD6A-4D39-98A1-06F2B69EF586}"/>
+      <p:pic>
+        <p:nvPicPr>
+          <p:cNvPr id="14" name="Picture 13">
+            <a:extLst>
+              <a:ext uri="{FF2B5EF4-FFF2-40B4-BE49-F238E27FC236}">
+                <a16:creationId xmlns:a16="http://schemas.microsoft.com/office/drawing/2014/main" id="{C3EAEABC-A19A-4DCA-4277-F26B6AD8C4A5}"/>
+              </a:ext>
+            </a:extLst>
+          </p:cNvPr>
+          <p:cNvPicPr>
+            <a:picLocks noChangeAspect="1"/>
+          </p:cNvPicPr>
+          <p:nvPr/>
+        </p:nvPicPr>
+        <p:blipFill>
+          <a:blip r:embed="rId3"/>
+          <a:stretch>
+            <a:fillRect/>
+          </a:stretch>
+        </p:blipFill>
+        <p:spPr>
+          <a:xfrm>
+            <a:off x="6407974" y="5980111"/>
+            <a:ext cx="2693722" cy="732692"/>
+          </a:xfrm>
+          <a:prstGeom prst="rect">
+            <a:avLst/>
+          </a:prstGeom>
+        </p:spPr>
+      </p:pic>
+      <p:pic>
+        <p:nvPicPr>
+          <p:cNvPr id="15" name="Picture 14">
+            <a:extLst>
+              <a:ext uri="{FF2B5EF4-FFF2-40B4-BE49-F238E27FC236}">
+                <a16:creationId xmlns:a16="http://schemas.microsoft.com/office/drawing/2014/main" id="{5B193D6A-65AC-7094-3158-7C15EA8D0CB7}"/>
+              </a:ext>
+            </a:extLst>
+          </p:cNvPr>
+          <p:cNvPicPr>
+            <a:picLocks noChangeAspect="1"/>
+          </p:cNvPicPr>
+          <p:nvPr/>
+        </p:nvPicPr>
+        <p:blipFill>
+          <a:blip r:embed="rId4"/>
+          <a:stretch>
+            <a:fillRect/>
+          </a:stretch>
+        </p:blipFill>
+        <p:spPr>
+          <a:xfrm>
+            <a:off x="7471283" y="1419222"/>
+            <a:ext cx="3534833" cy="445033"/>
+          </a:xfrm>
+          <a:prstGeom prst="rect">
+            <a:avLst/>
+          </a:prstGeom>
+        </p:spPr>
+      </p:pic>
+      <p:pic>
+        <p:nvPicPr>
+          <p:cNvPr id="16" name="Picture 15">
+            <a:extLst>
+              <a:ext uri="{FF2B5EF4-FFF2-40B4-BE49-F238E27FC236}">
+                <a16:creationId xmlns:a16="http://schemas.microsoft.com/office/drawing/2014/main" id="{C950A2AA-C1FE-5584-7630-7A1AB8B2547B}"/>
+              </a:ext>
+            </a:extLst>
+          </p:cNvPr>
+          <p:cNvPicPr>
+            <a:picLocks noChangeAspect="1"/>
+          </p:cNvPicPr>
+          <p:nvPr/>
+        </p:nvPicPr>
+        <p:blipFill>
+          <a:blip r:embed="rId5"/>
+          <a:stretch>
+            <a:fillRect/>
+          </a:stretch>
+        </p:blipFill>
+        <p:spPr>
+          <a:xfrm>
+            <a:off x="1619111" y="1386171"/>
+            <a:ext cx="3414432" cy="419100"/>
+          </a:xfrm>
+          <a:prstGeom prst="rect">
+            <a:avLst/>
+          </a:prstGeom>
+        </p:spPr>
+      </p:pic>
+      <p:pic>
+        <p:nvPicPr>
+          <p:cNvPr id="17" name="Picture 16">
+            <a:extLst>
+              <a:ext uri="{FF2B5EF4-FFF2-40B4-BE49-F238E27FC236}">
+                <a16:creationId xmlns:a16="http://schemas.microsoft.com/office/drawing/2014/main" id="{7EF9EBEE-BFBD-7705-6F03-35BF4163AEC0}"/>
+              </a:ext>
+            </a:extLst>
+          </p:cNvPr>
+          <p:cNvPicPr>
+            <a:picLocks noChangeAspect="1"/>
+          </p:cNvPicPr>
+          <p:nvPr/>
+        </p:nvPicPr>
+        <p:blipFill>
+          <a:blip r:embed="rId6"/>
+          <a:stretch>
+            <a:fillRect/>
+          </a:stretch>
+        </p:blipFill>
+        <p:spPr>
+          <a:xfrm>
+            <a:off x="5892550" y="2751932"/>
+            <a:ext cx="527299" cy="1938601"/>
+          </a:xfrm>
+          <a:prstGeom prst="rect">
+            <a:avLst/>
+          </a:prstGeom>
+        </p:spPr>
+      </p:pic>
+      <p:pic>
+        <p:nvPicPr>
+          <p:cNvPr id="18" name="Picture 17">
+            <a:extLst>
+              <a:ext uri="{FF2B5EF4-FFF2-40B4-BE49-F238E27FC236}">
+                <a16:creationId xmlns:a16="http://schemas.microsoft.com/office/drawing/2014/main" id="{85DB2EF5-E22B-7FC3-A2B4-E2AEFC9C8B39}"/>
+              </a:ext>
+            </a:extLst>
+          </p:cNvPr>
+          <p:cNvPicPr>
+            <a:picLocks noChangeAspect="1"/>
+          </p:cNvPicPr>
+          <p:nvPr/>
+        </p:nvPicPr>
+        <p:blipFill>
+          <a:blip r:embed="rId7"/>
+          <a:stretch>
+            <a:fillRect/>
+          </a:stretch>
+        </p:blipFill>
+        <p:spPr>
+          <a:xfrm>
+            <a:off x="838200" y="5980111"/>
+            <a:ext cx="1847849" cy="692943"/>
+          </a:xfrm>
+          <a:prstGeom prst="rect">
+            <a:avLst/>
+          </a:prstGeom>
+        </p:spPr>
+      </p:pic>
+      <p:pic>
+        <p:nvPicPr>
+          <p:cNvPr id="19" name="Picture 18">
+            <a:extLst>
+              <a:ext uri="{FF2B5EF4-FFF2-40B4-BE49-F238E27FC236}">
+                <a16:creationId xmlns:a16="http://schemas.microsoft.com/office/drawing/2014/main" id="{5C6A6750-6FB0-AED2-99A3-4C9054125934}"/>
+              </a:ext>
+            </a:extLst>
+          </p:cNvPr>
+          <p:cNvPicPr>
+            <a:picLocks noChangeAspect="1"/>
+          </p:cNvPicPr>
+          <p:nvPr/>
+        </p:nvPicPr>
+        <p:blipFill>
+          <a:blip r:embed="rId8"/>
+          <a:stretch>
+            <a:fillRect/>
+          </a:stretch>
+        </p:blipFill>
+        <p:spPr>
+          <a:xfrm>
+            <a:off x="3965577" y="6032233"/>
+            <a:ext cx="2000249" cy="659173"/>
+          </a:xfrm>
+          <a:prstGeom prst="rect">
+            <a:avLst/>
+          </a:prstGeom>
+        </p:spPr>
+      </p:pic>
+      <p:sp>
+        <p:nvSpPr>
+          <p:cNvPr id="20" name="TextBox 19">
+            <a:extLst>
+              <a:ext uri="{FF2B5EF4-FFF2-40B4-BE49-F238E27FC236}">
+                <a16:creationId xmlns:a16="http://schemas.microsoft.com/office/drawing/2014/main" id="{A97511B4-708A-BEC1-EC5C-BB3BB1BB56FB}"/>
               </a:ext>
             </a:extLst>
           </p:cNvPr>
@@ -5048,9 +5092,9 @@
           <p:nvPr/>
         </p:nvSpPr>
         <p:spPr>
-          <a:xfrm rot="16200000">
-            <a:off x="-265565" y="4336831"/>
-            <a:ext cx="1325563" cy="369332"/>
+          <a:xfrm>
+            <a:off x="4927600" y="-11206"/>
+            <a:ext cx="7264399" cy="1754326"/>
           </a:xfrm>
           <a:prstGeom prst="rect">
             <a:avLst/>
@@ -5064,95 +5108,201 @@
           <a:lstStyle/>
           <a:p>
             <a:r>
-              <a:rPr lang="en-GB" dirty="0"/>
-              <a:t>microvolts</a:t>
-            </a:r>
-          </a:p>
-        </p:txBody>
-      </p:sp>
-      <p:sp>
-        <p:nvSpPr>
-          <p:cNvPr id="7" name="TextBox 6">
-            <a:extLst>
-              <a:ext uri="{FF2B5EF4-FFF2-40B4-BE49-F238E27FC236}">
-                <a16:creationId xmlns:a16="http://schemas.microsoft.com/office/drawing/2014/main" id="{6527459E-603F-38F9-87FF-A8FB9F97E693}"/>
-              </a:ext>
-            </a:extLst>
-          </p:cNvPr>
-          <p:cNvSpPr txBox="1"/>
+              <a:rPr lang="en-GB" sz="1800" i="0" u="none" strike="noStrike" kern="1200" baseline="0" dirty="0">
+                <a:solidFill>
+                  <a:srgbClr val="000000"/>
+                </a:solidFill>
+                <a:latin typeface="Arial" panose="020B0604020202020204" pitchFamily="34" charset="0"/>
+                <a:cs typeface="Arial" panose="020B0604020202020204" pitchFamily="34" charset="0"/>
+              </a:rPr>
+              <a:t>The mixing product frequencies are below the noise floor. The applied signal amplitudes are larger than what we see</a:t>
+            </a:r>
+            <a:r>
+              <a:rPr lang="en-GB" sz="1800" i="1" u="none" strike="noStrike" kern="1200" baseline="0" dirty="0">
+                <a:solidFill>
+                  <a:srgbClr val="000000"/>
+                </a:solidFill>
+                <a:latin typeface="Arial" panose="020B0604020202020204" pitchFamily="34" charset="0"/>
+                <a:cs typeface="Arial" panose="020B0604020202020204" pitchFamily="34" charset="0"/>
+              </a:rPr>
+              <a:t> in vivo </a:t>
+            </a:r>
+            <a:r>
+              <a:rPr lang="en-GB" sz="1800" i="0" u="none" strike="noStrike" kern="1200" baseline="0" dirty="0">
+                <a:solidFill>
+                  <a:srgbClr val="000000"/>
+                </a:solidFill>
+                <a:latin typeface="Arial" panose="020B0604020202020204" pitchFamily="34" charset="0"/>
+                <a:cs typeface="Arial" panose="020B0604020202020204" pitchFamily="34" charset="0"/>
+              </a:rPr>
+              <a:t>(with 1020Hz@200</a:t>
+            </a:r>
+            <a:r>
+              <a:rPr lang="en-GB" sz="1800" i="1" u="none" strike="noStrike" kern="1200" baseline="0" dirty="0">
+                <a:solidFill>
+                  <a:srgbClr val="000000"/>
+                </a:solidFill>
+                <a:latin typeface="Arial" panose="020B0604020202020204" pitchFamily="34" charset="0"/>
+                <a:cs typeface="Arial" panose="020B0604020202020204" pitchFamily="34" charset="0"/>
+              </a:rPr>
+              <a:t>𝜇</a:t>
+            </a:r>
+            <a:r>
+              <a:rPr lang="en-US" sz="1800" i="1" u="none" strike="noStrike" kern="1200" baseline="0" dirty="0">
+                <a:solidFill>
+                  <a:srgbClr val="000000"/>
+                </a:solidFill>
+                <a:latin typeface="Arial" panose="020B0604020202020204" pitchFamily="34" charset="0"/>
+                <a:cs typeface="Arial" panose="020B0604020202020204" pitchFamily="34" charset="0"/>
+              </a:rPr>
+              <a:t>𝑉</a:t>
+            </a:r>
+            <a:r>
+              <a:rPr lang="en-GB" sz="1800" i="0" u="none" strike="noStrike" kern="1200" baseline="0" dirty="0">
+                <a:solidFill>
+                  <a:srgbClr val="000000"/>
+                </a:solidFill>
+                <a:latin typeface="Arial" panose="020B0604020202020204" pitchFamily="34" charset="0"/>
+                <a:cs typeface="Arial" panose="020B0604020202020204" pitchFamily="34" charset="0"/>
+              </a:rPr>
+              <a:t>and 70Hz@3</a:t>
+            </a:r>
+            <a:r>
+              <a:rPr lang="en-US" sz="1800" i="0" u="none" strike="noStrike" kern="1200" baseline="0" dirty="0">
+                <a:solidFill>
+                  <a:srgbClr val="000000"/>
+                </a:solidFill>
+                <a:latin typeface="Arial" panose="020B0604020202020204" pitchFamily="34" charset="0"/>
+                <a:cs typeface="Arial" panose="020B0604020202020204" pitchFamily="34" charset="0"/>
+              </a:rPr>
+              <a:t>1</a:t>
+            </a:r>
+            <a:r>
+              <a:rPr lang="en-GB" sz="1800" i="1" u="none" strike="noStrike" kern="1200" baseline="0" dirty="0">
+                <a:solidFill>
+                  <a:srgbClr val="000000"/>
+                </a:solidFill>
+                <a:latin typeface="Arial" panose="020B0604020202020204" pitchFamily="34" charset="0"/>
+                <a:cs typeface="Arial" panose="020B0604020202020204" pitchFamily="34" charset="0"/>
+              </a:rPr>
+              <a:t>𝜇</a:t>
+            </a:r>
+            <a:r>
+              <a:rPr lang="en-US" sz="1800" i="1" u="none" strike="noStrike" kern="1200" baseline="0" dirty="0">
+                <a:solidFill>
+                  <a:srgbClr val="000000"/>
+                </a:solidFill>
+                <a:latin typeface="Arial" panose="020B0604020202020204" pitchFamily="34" charset="0"/>
+                <a:cs typeface="Arial" panose="020B0604020202020204" pitchFamily="34" charset="0"/>
+              </a:rPr>
+              <a:t>𝑉</a:t>
+            </a:r>
+            <a:r>
+              <a:rPr lang="en-GB" sz="1800" i="0" u="none" strike="noStrike" kern="1200" baseline="0" dirty="0">
+                <a:solidFill>
+                  <a:srgbClr val="000000"/>
+                </a:solidFill>
+                <a:latin typeface="Arial" panose="020B0604020202020204" pitchFamily="34" charset="0"/>
+                <a:cs typeface="Arial" panose="020B0604020202020204" pitchFamily="34" charset="0"/>
+              </a:rPr>
+              <a:t>)</a:t>
+            </a:r>
+            <a:r>
+              <a:rPr lang="en-GB" sz="1800" i="1" u="none" strike="noStrike" kern="1200" baseline="0" dirty="0">
+                <a:solidFill>
+                  <a:srgbClr val="000000"/>
+                </a:solidFill>
+                <a:latin typeface="Arial" panose="020B0604020202020204" pitchFamily="34" charset="0"/>
+                <a:cs typeface="Arial" panose="020B0604020202020204" pitchFamily="34" charset="0"/>
+              </a:rPr>
+              <a:t>, </a:t>
+            </a:r>
+            <a:r>
+              <a:rPr lang="en-GB" sz="1800" i="0" u="none" strike="noStrike" kern="1200" baseline="0" dirty="0">
+                <a:solidFill>
+                  <a:srgbClr val="000000"/>
+                </a:solidFill>
+                <a:latin typeface="Arial" panose="020B0604020202020204" pitchFamily="34" charset="0"/>
+                <a:cs typeface="Arial" panose="020B0604020202020204" pitchFamily="34" charset="0"/>
+              </a:rPr>
+              <a:t>hence the frequency mixing that we see in our neural decoding experiment does NOT occur in the preamplifier. </a:t>
+            </a:r>
+          </a:p>
+          <a:p>
+            <a:endParaRPr lang="en-GB" dirty="0"/>
+          </a:p>
+        </p:txBody>
+      </p:sp>
+      <p:pic>
+        <p:nvPicPr>
+          <p:cNvPr id="21" name="Picture 20" descr="A graph of a graph showing a number of columns&#10;&#10;Description automatically generated with medium confidence">
+            <a:extLst>
+              <a:ext uri="{FF2B5EF4-FFF2-40B4-BE49-F238E27FC236}">
+                <a16:creationId xmlns:a16="http://schemas.microsoft.com/office/drawing/2014/main" id="{B57F8AE7-B474-2F29-37C3-FCE7A739A8A2}"/>
+              </a:ext>
+            </a:extLst>
+          </p:cNvPr>
+          <p:cNvPicPr>
+            <a:picLocks noChangeAspect="1"/>
+          </p:cNvPicPr>
           <p:nvPr/>
-        </p:nvSpPr>
-        <p:spPr>
-          <a:xfrm>
-            <a:off x="2392814" y="6172206"/>
-            <a:ext cx="1747386" cy="369332"/>
+        </p:nvPicPr>
+        <p:blipFill>
+          <a:blip r:embed="rId9">
+            <a:extLst>
+              <a:ext uri="{28A0092B-C50C-407E-A947-70E740481C1C}">
+                <a14:useLocalDpi xmlns:a14="http://schemas.microsoft.com/office/drawing/2010/main" val="0"/>
+              </a:ext>
+            </a:extLst>
+          </a:blip>
+          <a:stretch>
+            <a:fillRect/>
+          </a:stretch>
+        </p:blipFill>
+        <p:spPr>
+          <a:xfrm>
+            <a:off x="467412" y="1688591"/>
+            <a:ext cx="5852172" cy="4389129"/>
           </a:xfrm>
           <a:prstGeom prst="rect">
             <a:avLst/>
           </a:prstGeom>
-          <a:noFill/>
-        </p:spPr>
-        <p:txBody>
-          <a:bodyPr wrap="square" rtlCol="0">
-            <a:spAutoFit/>
-          </a:bodyPr>
-          <a:lstStyle/>
-          <a:p>
-            <a:r>
-              <a:rPr lang="en-GB" dirty="0"/>
-              <a:t>Frequencies(Hz)</a:t>
-            </a:r>
-          </a:p>
-        </p:txBody>
-      </p:sp>
-      <p:sp>
-        <p:nvSpPr>
-          <p:cNvPr id="8" name="TextBox 7">
-            <a:extLst>
-              <a:ext uri="{FF2B5EF4-FFF2-40B4-BE49-F238E27FC236}">
-                <a16:creationId xmlns:a16="http://schemas.microsoft.com/office/drawing/2014/main" id="{B40B47BF-3517-F85F-A4A6-913676EEEB30}"/>
-              </a:ext>
-            </a:extLst>
-          </p:cNvPr>
-          <p:cNvSpPr txBox="1"/>
+        </p:spPr>
+      </p:pic>
+      <p:pic>
+        <p:nvPicPr>
+          <p:cNvPr id="22" name="Picture 21">
+            <a:extLst>
+              <a:ext uri="{FF2B5EF4-FFF2-40B4-BE49-F238E27FC236}">
+                <a16:creationId xmlns:a16="http://schemas.microsoft.com/office/drawing/2014/main" id="{56CD0E89-4ADC-A8F3-F72D-07026FD18FCE}"/>
+              </a:ext>
+            </a:extLst>
+          </p:cNvPr>
+          <p:cNvPicPr>
+            <a:picLocks noChangeAspect="1"/>
+          </p:cNvPicPr>
           <p:nvPr/>
-        </p:nvSpPr>
-        <p:spPr>
-          <a:xfrm>
-            <a:off x="5954260" y="2780503"/>
-            <a:ext cx="5883450" cy="1477328"/>
+        </p:nvPicPr>
+        <p:blipFill>
+          <a:blip r:embed="rId6"/>
+          <a:stretch>
+            <a:fillRect/>
+          </a:stretch>
+        </p:blipFill>
+        <p:spPr>
+          <a:xfrm>
+            <a:off x="5965826" y="2856441"/>
+            <a:ext cx="470446" cy="1729581"/>
           </a:xfrm>
           <a:prstGeom prst="rect">
             <a:avLst/>
           </a:prstGeom>
-          <a:noFill/>
-        </p:spPr>
-        <p:txBody>
-          <a:bodyPr wrap="square" rtlCol="0">
-            <a:spAutoFit/>
-          </a:bodyPr>
-          <a:lstStyle/>
-          <a:p>
-            <a:r>
-              <a:rPr lang="en-GB" dirty="0"/>
-              <a:t>There is a clear trend that the mouse amplitudes are higher at lower frequencies, 5Hz, 3hz being very high amplitude.  </a:t>
-            </a:r>
-          </a:p>
-          <a:p>
-            <a:endParaRPr lang="en-GB" dirty="0"/>
-          </a:p>
-          <a:p>
-            <a:r>
-              <a:rPr lang="en-GB" dirty="0"/>
-              <a:t>Note: I measure the amplitude by taking the FFT amplitude at the difference frequency. </a:t>
-            </a:r>
-          </a:p>
-        </p:txBody>
-      </p:sp>
+        </p:spPr>
+      </p:pic>
     </p:spTree>
     <p:extLst>
       <p:ext uri="{BB962C8B-B14F-4D97-AF65-F5344CB8AC3E}">
-        <p14:creationId xmlns:p14="http://schemas.microsoft.com/office/powerpoint/2010/main" val="911215905"/>
+        <p14:creationId xmlns:p14="http://schemas.microsoft.com/office/powerpoint/2010/main" val="4253956226"/>
       </p:ext>
     </p:extLst>
   </p:cSld>
@@ -5184,7 +5334,7 @@
           <p:cNvPr id="2" name="Title 1">
             <a:extLst>
               <a:ext uri="{FF2B5EF4-FFF2-40B4-BE49-F238E27FC236}">
-                <a16:creationId xmlns:a16="http://schemas.microsoft.com/office/drawing/2014/main" id="{BCD64256-A664-17E7-8B65-23ADC74EE9E7}"/>
+                <a16:creationId xmlns:a16="http://schemas.microsoft.com/office/drawing/2014/main" id="{F1375BD7-E92F-3B69-7795-479CB2863209}"/>
               </a:ext>
             </a:extLst>
           </p:cNvPr>
@@ -5197,35 +5347,43 @@
         </p:nvSpPr>
         <p:spPr>
           <a:xfrm>
-            <a:off x="460248" y="426720"/>
-            <a:ext cx="11011316" cy="837248"/>
+            <a:off x="837704" y="92847"/>
+            <a:ext cx="10515600" cy="964911"/>
           </a:xfrm>
         </p:spPr>
         <p:txBody>
           <a:bodyPr>
-            <a:normAutofit fontScale="90000"/>
+            <a:noAutofit/>
           </a:bodyPr>
           <a:lstStyle/>
           <a:p>
             <a:pPr algn="ctr"/>
             <a:r>
-              <a:rPr lang="en-GB" dirty="0"/>
-              <a:t>Moving to a higher frequency </a:t>
+              <a:rPr lang="en-GB" sz="3200" dirty="0"/>
+              <a:t>Mouse: Is it actually a neural response? </a:t>
             </a:r>
             <a:br>
-              <a:rPr lang="en-GB" dirty="0"/>
+              <a:rPr lang="en-GB" sz="3200" dirty="0"/>
             </a:br>
             <a:r>
-              <a:rPr lang="en-GB" dirty="0"/>
-              <a:t>so I can elicit higher amplitude </a:t>
-            </a:r>
-            <a:r>
-              <a:rPr lang="en-GB" dirty="0" err="1"/>
+              <a:rPr lang="en-GB" sz="3200" dirty="0"/>
+              <a:t>Or am I just generating the </a:t>
+            </a:r>
+            <a:r>
+              <a:rPr lang="en-GB" sz="3200" dirty="0" err="1"/>
               <a:t>df</a:t>
             </a:r>
             <a:r>
-              <a:rPr lang="en-GB" dirty="0"/>
-              <a:t>. </a:t>
+              <a:rPr lang="en-GB" sz="3200" dirty="0"/>
+              <a:t> </a:t>
+            </a:r>
+            <a:r>
+              <a:rPr lang="en-GB" sz="3200" i="1" dirty="0"/>
+              <a:t>in vivo</a:t>
+            </a:r>
+            <a:r>
+              <a:rPr lang="en-GB" sz="3200" dirty="0"/>
+              <a:t>?  </a:t>
             </a:r>
           </a:p>
         </p:txBody>
@@ -5235,7 +5393,7 @@
           <p:cNvPr id="3" name="Content Placeholder 2">
             <a:extLst>
               <a:ext uri="{FF2B5EF4-FFF2-40B4-BE49-F238E27FC236}">
-                <a16:creationId xmlns:a16="http://schemas.microsoft.com/office/drawing/2014/main" id="{9EEE1DEE-0B0D-4809-F3DA-D89C1906FDF2}"/>
+                <a16:creationId xmlns:a16="http://schemas.microsoft.com/office/drawing/2014/main" id="{572AE4D4-97C7-CD2F-EA66-A8D80E464CDA}"/>
               </a:ext>
             </a:extLst>
           </p:cNvPr>
@@ -5248,8 +5406,8 @@
         </p:nvSpPr>
         <p:spPr>
           <a:xfrm>
-            <a:off x="460248" y="1496441"/>
-            <a:ext cx="11497056" cy="4351338"/>
+            <a:off x="505690" y="1174741"/>
+            <a:ext cx="11179627" cy="1772598"/>
           </a:xfrm>
         </p:spPr>
         <p:txBody>
@@ -5259,32 +5417,8 @@
           <a:lstStyle/>
           <a:p>
             <a:r>
-              <a:rPr lang="en-GB" dirty="0"/>
-              <a:t>It is ok to have the generator at a different f to the recording. </a:t>
-            </a:r>
-          </a:p>
-          <a:p>
-            <a:r>
-              <a:rPr lang="en-GB" dirty="0"/>
-              <a:t>It is ok to have each generators at different fs. </a:t>
-            </a:r>
-          </a:p>
-          <a:p>
-            <a:r>
-              <a:rPr lang="en-GB" dirty="0"/>
-              <a:t>1e7,i.e. 10MHz output Fs on gen current is ok. </a:t>
-            </a:r>
-          </a:p>
-          <a:p>
-            <a:r>
-              <a:rPr lang="en-GB" dirty="0"/>
-              <a:t>I can go up to 2MHz carrier f, with a 10MHz sample rate. i.e. 5 samples per period. </a:t>
-            </a:r>
-          </a:p>
-          <a:p>
-            <a:r>
-              <a:rPr lang="en-GB" dirty="0"/>
-              <a:t>Optionally, I can buy a different antenna that goes to 4MHz.</a:t>
+              <a:rPr lang="en-GB" sz="1800" dirty="0"/>
+              <a:t>Frequency vs amplitude in phantom/mouse. </a:t>
             </a:r>
           </a:p>
           <a:p>
@@ -5292,8 +5426,166 @@
               <a:buNone/>
             </a:pPr>
             <a:r>
+              <a:rPr lang="en-GB" sz="1800" dirty="0"/>
+              <a:t>Note: My neural amplitudes were too low to evoke enough spikes to make a good spike diagram, nor did I obtain behavioural proof. I think I need to get a higher amplitude </a:t>
+            </a:r>
+            <a:r>
+              <a:rPr lang="en-GB" sz="1800" dirty="0" err="1"/>
+              <a:t>lfp</a:t>
+            </a:r>
+            <a:r>
+              <a:rPr lang="en-GB" sz="1800" dirty="0"/>
+              <a:t> to do that, which means I need to go to a higher carrier so more signal gets through into mouse brain. The anaesthesia was also a problem as I only saw entrainment, right at the end. </a:t>
+            </a:r>
+          </a:p>
+        </p:txBody>
+      </p:sp>
+      <p:pic>
+        <p:nvPicPr>
+          <p:cNvPr id="5" name="Picture 4" descr="A graph of a person with a red line&#10;&#10;Description automatically generated">
+            <a:extLst>
+              <a:ext uri="{FF2B5EF4-FFF2-40B4-BE49-F238E27FC236}">
+                <a16:creationId xmlns:a16="http://schemas.microsoft.com/office/drawing/2014/main" id="{2129CAD6-6BDD-1DE1-DDB5-C04747F4A739}"/>
+              </a:ext>
+            </a:extLst>
+          </p:cNvPr>
+          <p:cNvPicPr>
+            <a:picLocks noChangeAspect="1"/>
+          </p:cNvPicPr>
+          <p:nvPr/>
+        </p:nvPicPr>
+        <p:blipFill>
+          <a:blip r:embed="rId2">
+            <a:extLst>
+              <a:ext uri="{28A0092B-C50C-407E-A947-70E740481C1C}">
+                <a14:useLocalDpi xmlns:a14="http://schemas.microsoft.com/office/drawing/2010/main" val="0"/>
+              </a:ext>
+            </a:extLst>
+          </a:blip>
+          <a:stretch>
+            <a:fillRect/>
+          </a:stretch>
+        </p:blipFill>
+        <p:spPr>
+          <a:xfrm>
+            <a:off x="581883" y="2955176"/>
+            <a:ext cx="5361717" cy="3217030"/>
+          </a:xfrm>
+          <a:prstGeom prst="rect">
+            <a:avLst/>
+          </a:prstGeom>
+        </p:spPr>
+      </p:pic>
+      <p:sp>
+        <p:nvSpPr>
+          <p:cNvPr id="6" name="TextBox 5">
+            <a:extLst>
+              <a:ext uri="{FF2B5EF4-FFF2-40B4-BE49-F238E27FC236}">
+                <a16:creationId xmlns:a16="http://schemas.microsoft.com/office/drawing/2014/main" id="{0D32EFAF-FD6A-4D39-98A1-06F2B69EF586}"/>
+              </a:ext>
+            </a:extLst>
+          </p:cNvPr>
+          <p:cNvSpPr txBox="1"/>
+          <p:nvPr/>
+        </p:nvSpPr>
+        <p:spPr>
+          <a:xfrm rot="16200000">
+            <a:off x="-265565" y="4336831"/>
+            <a:ext cx="1325563" cy="369332"/>
+          </a:xfrm>
+          <a:prstGeom prst="rect">
+            <a:avLst/>
+          </a:prstGeom>
+          <a:noFill/>
+        </p:spPr>
+        <p:txBody>
+          <a:bodyPr wrap="square" rtlCol="0">
+            <a:spAutoFit/>
+          </a:bodyPr>
+          <a:lstStyle/>
+          <a:p>
+            <a:r>
               <a:rPr lang="en-GB" dirty="0"/>
-              <a:t> </a:t>
+              <a:t>microvolts</a:t>
+            </a:r>
+          </a:p>
+        </p:txBody>
+      </p:sp>
+      <p:sp>
+        <p:nvSpPr>
+          <p:cNvPr id="7" name="TextBox 6">
+            <a:extLst>
+              <a:ext uri="{FF2B5EF4-FFF2-40B4-BE49-F238E27FC236}">
+                <a16:creationId xmlns:a16="http://schemas.microsoft.com/office/drawing/2014/main" id="{6527459E-603F-38F9-87FF-A8FB9F97E693}"/>
+              </a:ext>
+            </a:extLst>
+          </p:cNvPr>
+          <p:cNvSpPr txBox="1"/>
+          <p:nvPr/>
+        </p:nvSpPr>
+        <p:spPr>
+          <a:xfrm>
+            <a:off x="2392814" y="6172206"/>
+            <a:ext cx="1747386" cy="369332"/>
+          </a:xfrm>
+          <a:prstGeom prst="rect">
+            <a:avLst/>
+          </a:prstGeom>
+          <a:noFill/>
+        </p:spPr>
+        <p:txBody>
+          <a:bodyPr wrap="square" rtlCol="0">
+            <a:spAutoFit/>
+          </a:bodyPr>
+          <a:lstStyle/>
+          <a:p>
+            <a:r>
+              <a:rPr lang="en-GB" dirty="0"/>
+              <a:t>Frequencies(Hz)</a:t>
+            </a:r>
+          </a:p>
+        </p:txBody>
+      </p:sp>
+      <p:sp>
+        <p:nvSpPr>
+          <p:cNvPr id="8" name="TextBox 7">
+            <a:extLst>
+              <a:ext uri="{FF2B5EF4-FFF2-40B4-BE49-F238E27FC236}">
+                <a16:creationId xmlns:a16="http://schemas.microsoft.com/office/drawing/2014/main" id="{B40B47BF-3517-F85F-A4A6-913676EEEB30}"/>
+              </a:ext>
+            </a:extLst>
+          </p:cNvPr>
+          <p:cNvSpPr txBox="1"/>
+          <p:nvPr/>
+        </p:nvSpPr>
+        <p:spPr>
+          <a:xfrm>
+            <a:off x="6019792" y="3399108"/>
+            <a:ext cx="5883450" cy="1477328"/>
+          </a:xfrm>
+          <a:prstGeom prst="rect">
+            <a:avLst/>
+          </a:prstGeom>
+          <a:noFill/>
+        </p:spPr>
+        <p:txBody>
+          <a:bodyPr wrap="square" rtlCol="0">
+            <a:spAutoFit/>
+          </a:bodyPr>
+          <a:lstStyle/>
+          <a:p>
+            <a:r>
+              <a:rPr lang="en-GB" dirty="0"/>
+              <a:t>There is a clear trend that the mouse amplitudes are higher at lower frequencies, 5Hz, 3hz being very high amplitude.  </a:t>
+            </a:r>
+          </a:p>
+          <a:p>
+            <a:endParaRPr lang="en-GB" dirty="0"/>
+          </a:p>
+          <a:p>
+            <a:r>
+              <a:rPr lang="en-GB" dirty="0"/>
+              <a:t>Note: I measure the amplitude by taking the FFT amplitude at the difference frequency. </a:t>
             </a:r>
           </a:p>
         </p:txBody>
@@ -5301,7 +5593,7 @@
     </p:spTree>
     <p:extLst>
       <p:ext uri="{BB962C8B-B14F-4D97-AF65-F5344CB8AC3E}">
-        <p14:creationId xmlns:p14="http://schemas.microsoft.com/office/powerpoint/2010/main" val="1436382133"/>
+        <p14:creationId xmlns:p14="http://schemas.microsoft.com/office/powerpoint/2010/main" val="911215905"/>
       </p:ext>
     </p:extLst>
   </p:cSld>
@@ -5333,7 +5625,7 @@
           <p:cNvPr id="2" name="Title 1">
             <a:extLst>
               <a:ext uri="{FF2B5EF4-FFF2-40B4-BE49-F238E27FC236}">
-                <a16:creationId xmlns:a16="http://schemas.microsoft.com/office/drawing/2014/main" id="{4AA59299-2518-F7B7-944B-7F07523FDAC9}"/>
+                <a16:creationId xmlns:a16="http://schemas.microsoft.com/office/drawing/2014/main" id="{071A9014-9063-6549-A04F-CFC3BBDB1251}"/>
               </a:ext>
             </a:extLst>
           </p:cNvPr>
@@ -5344,14 +5636,19 @@
             <p:ph type="title"/>
           </p:nvPr>
         </p:nvSpPr>
-        <p:spPr/>
+        <p:spPr>
+          <a:xfrm>
+            <a:off x="838200" y="152182"/>
+            <a:ext cx="10515600" cy="1325563"/>
+          </a:xfrm>
+        </p:spPr>
         <p:txBody>
           <a:bodyPr/>
           <a:lstStyle/>
           <a:p>
             <a:r>
               <a:rPr lang="en-US" dirty="0"/>
-              <a:t>Electrical Tests to do. </a:t>
+              <a:t>RF TI Phase analysis. </a:t>
             </a:r>
             <a:endParaRPr lang="en-GB" dirty="0"/>
           </a:p>
@@ -5359,63 +5656,58 @@
       </p:sp>
       <p:sp>
         <p:nvSpPr>
-          <p:cNvPr id="3" name="Content Placeholder 2">
-            <a:extLst>
-              <a:ext uri="{FF2B5EF4-FFF2-40B4-BE49-F238E27FC236}">
-                <a16:creationId xmlns:a16="http://schemas.microsoft.com/office/drawing/2014/main" id="{473B45D7-1A00-7D22-DEEE-EC6769C9BF3B}"/>
-              </a:ext>
-            </a:extLst>
-          </p:cNvPr>
-          <p:cNvSpPr>
-            <a:spLocks noGrp="1"/>
-          </p:cNvSpPr>
-          <p:nvPr>
-            <p:ph idx="1"/>
-          </p:nvPr>
-        </p:nvSpPr>
-        <p:spPr>
-          <a:xfrm>
-            <a:off x="838200" y="1690688"/>
-            <a:ext cx="10515600" cy="4683044"/>
-          </a:xfrm>
-        </p:spPr>
-        <p:txBody>
-          <a:bodyPr/>
+          <p:cNvPr id="4" name="TextBox 3">
+            <a:extLst>
+              <a:ext uri="{FF2B5EF4-FFF2-40B4-BE49-F238E27FC236}">
+                <a16:creationId xmlns:a16="http://schemas.microsoft.com/office/drawing/2014/main" id="{8BB73FD1-6A22-7BA4-DF16-44BD84978346}"/>
+              </a:ext>
+            </a:extLst>
+          </p:cNvPr>
+          <p:cNvSpPr txBox="1"/>
+          <p:nvPr/>
+        </p:nvSpPr>
+        <p:spPr>
+          <a:xfrm>
+            <a:off x="1365337" y="2104373"/>
+            <a:ext cx="9461326" cy="1477328"/>
+          </a:xfrm>
+          <a:prstGeom prst="rect">
+            <a:avLst/>
+          </a:prstGeom>
+          <a:noFill/>
+        </p:spPr>
+        <p:txBody>
+          <a:bodyPr wrap="square" rtlCol="0">
+            <a:spAutoFit/>
+          </a:bodyPr>
           <a:lstStyle/>
           <a:p>
             <a:r>
               <a:rPr lang="en-US" dirty="0"/>
-              <a:t>Direct 5Hz instead of 2kHz.</a:t>
+              <a:t>TODO: </a:t>
             </a:r>
           </a:p>
           <a:p>
             <a:r>
               <a:rPr lang="en-US" dirty="0"/>
-              <a:t>Use a pulse stimulation, to show that evoked field follows at delay. </a:t>
-            </a:r>
+              <a:t>I think the data was there, but I could only see spikes around the end due to ketamine. </a:t>
+            </a:r>
+          </a:p>
+          <a:p>
+            <a:endParaRPr lang="en-US" dirty="0"/>
           </a:p>
           <a:p>
             <a:r>
               <a:rPr lang="en-US" dirty="0"/>
-              <a:t>Look at time separation of the evoked signal and the applied signal.</a:t>
-            </a:r>
-          </a:p>
-          <a:p>
-            <a:r>
-              <a:rPr lang="en-GB" dirty="0"/>
-              <a:t>do phantom amplitude experiment at 2MHz carrier, Fs = 10MHz. Is the amount that gets through larger than at 1MHz? By how much? </a:t>
-            </a:r>
-          </a:p>
-          <a:p>
-            <a:r>
-              <a:rPr lang="en-GB" dirty="0"/>
-              <a:t>Can I obtain spiking information. </a:t>
-            </a:r>
-          </a:p>
-          <a:p>
+              <a:t>I think I should repeat exactly this experiment, just at 2MHz, and using low level isoflurane. I need to put </a:t>
+            </a:r>
+            <a:r>
+              <a:rPr lang="en-US" dirty="0" err="1"/>
+              <a:t>headbar</a:t>
+            </a:r>
             <a:r>
               <a:rPr lang="en-US" dirty="0"/>
-              <a:t>Does the antenna really make an amplitude difference compared to direct application of fields?</a:t>
+              <a:t> on better, so mouse can withstand low level iso.   </a:t>
             </a:r>
             <a:endParaRPr lang="en-GB" dirty="0"/>
           </a:p>
@@ -5424,7 +5716,7 @@
     </p:spTree>
     <p:extLst>
       <p:ext uri="{BB962C8B-B14F-4D97-AF65-F5344CB8AC3E}">
-        <p14:creationId xmlns:p14="http://schemas.microsoft.com/office/powerpoint/2010/main" val="2509749633"/>
+        <p14:creationId xmlns:p14="http://schemas.microsoft.com/office/powerpoint/2010/main" val="4099215499"/>
       </p:ext>
     </p:extLst>
   </p:cSld>
@@ -5927,6 +6219,278 @@
     <p:extLst>
       <p:ext uri="{BB962C8B-B14F-4D97-AF65-F5344CB8AC3E}">
         <p14:creationId xmlns:p14="http://schemas.microsoft.com/office/powerpoint/2010/main" val="126054831"/>
+      </p:ext>
+    </p:extLst>
+  </p:cSld>
+  <p:clrMapOvr>
+    <a:masterClrMapping/>
+  </p:clrMapOvr>
+</p:sld>
+</file>
+
+<file path=ppt/slides/slide20.xml><?xml version="1.0" encoding="utf-8"?>
+<p:sld xmlns:a="http://schemas.openxmlformats.org/drawingml/2006/main" xmlns:r="http://schemas.openxmlformats.org/officeDocument/2006/relationships" xmlns:p="http://schemas.openxmlformats.org/presentationml/2006/main">
+  <p:cSld>
+    <p:spTree>
+      <p:nvGrpSpPr>
+        <p:cNvPr id="1" name=""/>
+        <p:cNvGrpSpPr/>
+        <p:nvPr/>
+      </p:nvGrpSpPr>
+      <p:grpSpPr>
+        <a:xfrm>
+          <a:off x="0" y="0"/>
+          <a:ext cx="0" cy="0"/>
+          <a:chOff x="0" y="0"/>
+          <a:chExt cx="0" cy="0"/>
+        </a:xfrm>
+      </p:grpSpPr>
+      <p:sp>
+        <p:nvSpPr>
+          <p:cNvPr id="2" name="Title 1">
+            <a:extLst>
+              <a:ext uri="{FF2B5EF4-FFF2-40B4-BE49-F238E27FC236}">
+                <a16:creationId xmlns:a16="http://schemas.microsoft.com/office/drawing/2014/main" id="{BCD64256-A664-17E7-8B65-23ADC74EE9E7}"/>
+              </a:ext>
+            </a:extLst>
+          </p:cNvPr>
+          <p:cNvSpPr>
+            <a:spLocks noGrp="1"/>
+          </p:cNvSpPr>
+          <p:nvPr>
+            <p:ph type="title"/>
+          </p:nvPr>
+        </p:nvSpPr>
+        <p:spPr>
+          <a:xfrm>
+            <a:off x="460248" y="343593"/>
+            <a:ext cx="11011316" cy="837248"/>
+          </a:xfrm>
+        </p:spPr>
+        <p:txBody>
+          <a:bodyPr>
+            <a:noAutofit/>
+          </a:bodyPr>
+          <a:lstStyle/>
+          <a:p>
+            <a:pPr algn="ctr"/>
+            <a:r>
+              <a:rPr lang="en-GB" sz="2800" dirty="0"/>
+              <a:t>Moving to a higher frequency </a:t>
+            </a:r>
+            <a:br>
+              <a:rPr lang="en-GB" sz="2800" dirty="0"/>
+            </a:br>
+            <a:r>
+              <a:rPr lang="en-GB" sz="2800" dirty="0"/>
+              <a:t>so I can elicit higher amplitude </a:t>
+            </a:r>
+            <a:r>
+              <a:rPr lang="en-GB" sz="2800" dirty="0" err="1"/>
+              <a:t>df</a:t>
+            </a:r>
+            <a:r>
+              <a:rPr lang="en-GB" sz="2800" dirty="0"/>
+              <a:t>. </a:t>
+            </a:r>
+          </a:p>
+        </p:txBody>
+      </p:sp>
+      <p:sp>
+        <p:nvSpPr>
+          <p:cNvPr id="3" name="Content Placeholder 2">
+            <a:extLst>
+              <a:ext uri="{FF2B5EF4-FFF2-40B4-BE49-F238E27FC236}">
+                <a16:creationId xmlns:a16="http://schemas.microsoft.com/office/drawing/2014/main" id="{9EEE1DEE-0B0D-4809-F3DA-D89C1906FDF2}"/>
+              </a:ext>
+            </a:extLst>
+          </p:cNvPr>
+          <p:cNvSpPr>
+            <a:spLocks noGrp="1"/>
+          </p:cNvSpPr>
+          <p:nvPr>
+            <p:ph idx="1"/>
+          </p:nvPr>
+        </p:nvSpPr>
+        <p:spPr>
+          <a:xfrm>
+            <a:off x="460248" y="1496441"/>
+            <a:ext cx="11497056" cy="4351338"/>
+          </a:xfrm>
+        </p:spPr>
+        <p:txBody>
+          <a:bodyPr>
+            <a:normAutofit/>
+          </a:bodyPr>
+          <a:lstStyle/>
+          <a:p>
+            <a:r>
+              <a:rPr lang="en-GB" dirty="0"/>
+              <a:t>It is ok to have the generator at a different f to the recording. </a:t>
+            </a:r>
+          </a:p>
+          <a:p>
+            <a:r>
+              <a:rPr lang="en-GB" dirty="0"/>
+              <a:t>It is ok to have each generators at different fs. </a:t>
+            </a:r>
+          </a:p>
+          <a:p>
+            <a:r>
+              <a:rPr lang="en-GB" dirty="0"/>
+              <a:t>1e7,i.e. 10MHz output Fs on gen current is ok. </a:t>
+            </a:r>
+          </a:p>
+          <a:p>
+            <a:r>
+              <a:rPr lang="en-GB" dirty="0"/>
+              <a:t>I can go up to 2MHz carrier f, with a 10MHz sample rate. i.e. 5 samples per period. </a:t>
+            </a:r>
+          </a:p>
+          <a:p>
+            <a:r>
+              <a:rPr lang="en-GB" dirty="0"/>
+              <a:t>Optionally, I can buy a different antenna that goes to 4MHz.</a:t>
+            </a:r>
+          </a:p>
+          <a:p>
+            <a:pPr marL="0" indent="0">
+              <a:buNone/>
+            </a:pPr>
+            <a:r>
+              <a:rPr lang="en-GB" dirty="0"/>
+              <a:t> </a:t>
+            </a:r>
+          </a:p>
+        </p:txBody>
+      </p:sp>
+    </p:spTree>
+    <p:extLst>
+      <p:ext uri="{BB962C8B-B14F-4D97-AF65-F5344CB8AC3E}">
+        <p14:creationId xmlns:p14="http://schemas.microsoft.com/office/powerpoint/2010/main" val="1436382133"/>
+      </p:ext>
+    </p:extLst>
+  </p:cSld>
+  <p:clrMapOvr>
+    <a:masterClrMapping/>
+  </p:clrMapOvr>
+</p:sld>
+</file>
+
+<file path=ppt/slides/slide21.xml><?xml version="1.0" encoding="utf-8"?>
+<p:sld xmlns:a="http://schemas.openxmlformats.org/drawingml/2006/main" xmlns:r="http://schemas.openxmlformats.org/officeDocument/2006/relationships" xmlns:p="http://schemas.openxmlformats.org/presentationml/2006/main">
+  <p:cSld>
+    <p:spTree>
+      <p:nvGrpSpPr>
+        <p:cNvPr id="1" name=""/>
+        <p:cNvGrpSpPr/>
+        <p:nvPr/>
+      </p:nvGrpSpPr>
+      <p:grpSpPr>
+        <a:xfrm>
+          <a:off x="0" y="0"/>
+          <a:ext cx="0" cy="0"/>
+          <a:chOff x="0" y="0"/>
+          <a:chExt cx="0" cy="0"/>
+        </a:xfrm>
+      </p:grpSpPr>
+      <p:sp>
+        <p:nvSpPr>
+          <p:cNvPr id="2" name="Title 1">
+            <a:extLst>
+              <a:ext uri="{FF2B5EF4-FFF2-40B4-BE49-F238E27FC236}">
+                <a16:creationId xmlns:a16="http://schemas.microsoft.com/office/drawing/2014/main" id="{4AA59299-2518-F7B7-944B-7F07523FDAC9}"/>
+              </a:ext>
+            </a:extLst>
+          </p:cNvPr>
+          <p:cNvSpPr>
+            <a:spLocks noGrp="1"/>
+          </p:cNvSpPr>
+          <p:nvPr>
+            <p:ph type="title"/>
+          </p:nvPr>
+        </p:nvSpPr>
+        <p:spPr/>
+        <p:txBody>
+          <a:bodyPr/>
+          <a:lstStyle/>
+          <a:p>
+            <a:r>
+              <a:rPr lang="en-US" dirty="0"/>
+              <a:t>Electrical Tests to do. </a:t>
+            </a:r>
+            <a:endParaRPr lang="en-GB" dirty="0"/>
+          </a:p>
+        </p:txBody>
+      </p:sp>
+      <p:sp>
+        <p:nvSpPr>
+          <p:cNvPr id="3" name="Content Placeholder 2">
+            <a:extLst>
+              <a:ext uri="{FF2B5EF4-FFF2-40B4-BE49-F238E27FC236}">
+                <a16:creationId xmlns:a16="http://schemas.microsoft.com/office/drawing/2014/main" id="{473B45D7-1A00-7D22-DEEE-EC6769C9BF3B}"/>
+              </a:ext>
+            </a:extLst>
+          </p:cNvPr>
+          <p:cNvSpPr>
+            <a:spLocks noGrp="1"/>
+          </p:cNvSpPr>
+          <p:nvPr>
+            <p:ph idx="1"/>
+          </p:nvPr>
+        </p:nvSpPr>
+        <p:spPr>
+          <a:xfrm>
+            <a:off x="838200" y="1690688"/>
+            <a:ext cx="10515600" cy="4683044"/>
+          </a:xfrm>
+        </p:spPr>
+        <p:txBody>
+          <a:bodyPr/>
+          <a:lstStyle/>
+          <a:p>
+            <a:r>
+              <a:rPr lang="en-US" dirty="0"/>
+              <a:t>Direct 5Hz instead of 2kHz.</a:t>
+            </a:r>
+          </a:p>
+          <a:p>
+            <a:r>
+              <a:rPr lang="en-US" dirty="0"/>
+              <a:t>Use a pulse stimulation, to show that evoked field follows at delay. </a:t>
+            </a:r>
+          </a:p>
+          <a:p>
+            <a:r>
+              <a:rPr lang="en-US" dirty="0"/>
+              <a:t>Look at time separation of the evoked signal and the applied signal.</a:t>
+            </a:r>
+          </a:p>
+          <a:p>
+            <a:r>
+              <a:rPr lang="en-GB" dirty="0"/>
+              <a:t>do phantom amplitude experiment at 2MHz carrier, Fs = 10MHz. Is the amount that gets through larger than at 1MHz? By how much? </a:t>
+            </a:r>
+          </a:p>
+          <a:p>
+            <a:r>
+              <a:rPr lang="en-GB" dirty="0"/>
+              <a:t>Can I obtain spiking information. </a:t>
+            </a:r>
+          </a:p>
+          <a:p>
+            <a:r>
+              <a:rPr lang="en-US" dirty="0"/>
+              <a:t>Does the antenna really make an amplitude difference compared to direct application of fields?</a:t>
+            </a:r>
+            <a:endParaRPr lang="en-GB" dirty="0"/>
+          </a:p>
+        </p:txBody>
+      </p:sp>
+    </p:spTree>
+    <p:extLst>
+      <p:ext uri="{BB962C8B-B14F-4D97-AF65-F5344CB8AC3E}">
+        <p14:creationId xmlns:p14="http://schemas.microsoft.com/office/powerpoint/2010/main" val="2509749633"/>
       </p:ext>
     </p:extLst>
   </p:cSld>
